--- a/assets/diagram.pptx
+++ b/assets/diagram.pptx
@@ -243,7 +243,7 @@
           <a:p>
             <a:fld id="{A368801B-2AC8-49CD-AC08-6EDE1542D3A9}" type="datetimeFigureOut">
               <a:rPr lang="zh-CN" altLang="en-US" smtClean="0"/>
-              <a:t>2022/12/6</a:t>
+              <a:t>2022/12/11</a:t>
             </a:fld>
             <a:endParaRPr lang="zh-CN" altLang="en-US"/>
           </a:p>
@@ -413,7 +413,7 @@
           <a:p>
             <a:fld id="{A368801B-2AC8-49CD-AC08-6EDE1542D3A9}" type="datetimeFigureOut">
               <a:rPr lang="zh-CN" altLang="en-US" smtClean="0"/>
-              <a:t>2022/12/6</a:t>
+              <a:t>2022/12/11</a:t>
             </a:fld>
             <a:endParaRPr lang="zh-CN" altLang="en-US"/>
           </a:p>
@@ -593,7 +593,7 @@
           <a:p>
             <a:fld id="{A368801B-2AC8-49CD-AC08-6EDE1542D3A9}" type="datetimeFigureOut">
               <a:rPr lang="zh-CN" altLang="en-US" smtClean="0"/>
-              <a:t>2022/12/6</a:t>
+              <a:t>2022/12/11</a:t>
             </a:fld>
             <a:endParaRPr lang="zh-CN" altLang="en-US"/>
           </a:p>
@@ -763,7 +763,7 @@
           <a:p>
             <a:fld id="{A368801B-2AC8-49CD-AC08-6EDE1542D3A9}" type="datetimeFigureOut">
               <a:rPr lang="zh-CN" altLang="en-US" smtClean="0"/>
-              <a:t>2022/12/6</a:t>
+              <a:t>2022/12/11</a:t>
             </a:fld>
             <a:endParaRPr lang="zh-CN" altLang="en-US"/>
           </a:p>
@@ -1009,7 +1009,7 @@
           <a:p>
             <a:fld id="{A368801B-2AC8-49CD-AC08-6EDE1542D3A9}" type="datetimeFigureOut">
               <a:rPr lang="zh-CN" altLang="en-US" smtClean="0"/>
-              <a:t>2022/12/6</a:t>
+              <a:t>2022/12/11</a:t>
             </a:fld>
             <a:endParaRPr lang="zh-CN" altLang="en-US"/>
           </a:p>
@@ -1241,7 +1241,7 @@
           <a:p>
             <a:fld id="{A368801B-2AC8-49CD-AC08-6EDE1542D3A9}" type="datetimeFigureOut">
               <a:rPr lang="zh-CN" altLang="en-US" smtClean="0"/>
-              <a:t>2022/12/6</a:t>
+              <a:t>2022/12/11</a:t>
             </a:fld>
             <a:endParaRPr lang="zh-CN" altLang="en-US"/>
           </a:p>
@@ -1608,7 +1608,7 @@
           <a:p>
             <a:fld id="{A368801B-2AC8-49CD-AC08-6EDE1542D3A9}" type="datetimeFigureOut">
               <a:rPr lang="zh-CN" altLang="en-US" smtClean="0"/>
-              <a:t>2022/12/6</a:t>
+              <a:t>2022/12/11</a:t>
             </a:fld>
             <a:endParaRPr lang="zh-CN" altLang="en-US"/>
           </a:p>
@@ -1726,7 +1726,7 @@
           <a:p>
             <a:fld id="{A368801B-2AC8-49CD-AC08-6EDE1542D3A9}" type="datetimeFigureOut">
               <a:rPr lang="zh-CN" altLang="en-US" smtClean="0"/>
-              <a:t>2022/12/6</a:t>
+              <a:t>2022/12/11</a:t>
             </a:fld>
             <a:endParaRPr lang="zh-CN" altLang="en-US"/>
           </a:p>
@@ -1821,7 +1821,7 @@
           <a:p>
             <a:fld id="{A368801B-2AC8-49CD-AC08-6EDE1542D3A9}" type="datetimeFigureOut">
               <a:rPr lang="zh-CN" altLang="en-US" smtClean="0"/>
-              <a:t>2022/12/6</a:t>
+              <a:t>2022/12/11</a:t>
             </a:fld>
             <a:endParaRPr lang="zh-CN" altLang="en-US"/>
           </a:p>
@@ -2098,7 +2098,7 @@
           <a:p>
             <a:fld id="{A368801B-2AC8-49CD-AC08-6EDE1542D3A9}" type="datetimeFigureOut">
               <a:rPr lang="zh-CN" altLang="en-US" smtClean="0"/>
-              <a:t>2022/12/6</a:t>
+              <a:t>2022/12/11</a:t>
             </a:fld>
             <a:endParaRPr lang="zh-CN" altLang="en-US"/>
           </a:p>
@@ -2355,7 +2355,7 @@
           <a:p>
             <a:fld id="{A368801B-2AC8-49CD-AC08-6EDE1542D3A9}" type="datetimeFigureOut">
               <a:rPr lang="zh-CN" altLang="en-US" smtClean="0"/>
-              <a:t>2022/12/6</a:t>
+              <a:t>2022/12/11</a:t>
             </a:fld>
             <a:endParaRPr lang="zh-CN" altLang="en-US"/>
           </a:p>
@@ -2568,7 +2568,7 @@
           <a:p>
             <a:fld id="{A368801B-2AC8-49CD-AC08-6EDE1542D3A9}" type="datetimeFigureOut">
               <a:rPr lang="zh-CN" altLang="en-US" smtClean="0"/>
-              <a:t>2022/12/6</a:t>
+              <a:t>2022/12/11</a:t>
             </a:fld>
             <a:endParaRPr lang="zh-CN" altLang="en-US"/>
           </a:p>
@@ -3002,8 +3002,8 @@
         </p:blipFill>
         <p:spPr bwMode="auto">
           <a:xfrm>
-            <a:off x="2791819" y="5680816"/>
-            <a:ext cx="1276109" cy="764070"/>
+            <a:off x="2760395" y="5616556"/>
+            <a:ext cx="1340882" cy="802853"/>
           </a:xfrm>
           <a:prstGeom prst="rect">
             <a:avLst/>
@@ -3049,8 +3049,8 @@
         </p:blipFill>
         <p:spPr bwMode="auto">
           <a:xfrm>
-            <a:off x="2702548" y="6674693"/>
-            <a:ext cx="754109" cy="655747"/>
+            <a:off x="3134380" y="6456085"/>
+            <a:ext cx="549177" cy="477545"/>
           </a:xfrm>
           <a:prstGeom prst="rect">
             <a:avLst/>
@@ -3096,8 +3096,8 @@
         </p:blipFill>
         <p:spPr bwMode="auto">
           <a:xfrm>
-            <a:off x="3523738" y="6720880"/>
-            <a:ext cx="565870" cy="565870"/>
+            <a:off x="3567709" y="7034142"/>
+            <a:ext cx="477545" cy="477545"/>
           </a:xfrm>
           <a:prstGeom prst="rect">
             <a:avLst/>
@@ -3564,7 +3564,7 @@
         </p:blipFill>
         <p:spPr bwMode="auto">
           <a:xfrm>
-            <a:off x="10950595" y="6858000"/>
+            <a:off x="11153954" y="6890455"/>
             <a:ext cx="2326130" cy="1163065"/>
           </a:xfrm>
           <a:prstGeom prst="rect">
@@ -3694,13 +3694,14 @@
           </p:cNvPr>
           <p:cNvCxnSpPr>
             <a:cxnSpLocks/>
+            <a:endCxn id="1038" idx="1"/>
           </p:cNvCxnSpPr>
           <p:nvPr/>
         </p:nvCxnSpPr>
         <p:spPr>
           <a:xfrm>
             <a:off x="10365938" y="6760835"/>
-            <a:ext cx="486028" cy="476619"/>
+            <a:ext cx="788016" cy="711153"/>
           </a:xfrm>
           <a:prstGeom prst="straightConnector1">
             <a:avLst/>
@@ -3958,13 +3959,14 @@
           </p:cNvPr>
           <p:cNvCxnSpPr>
             <a:cxnSpLocks/>
+            <a:stCxn id="1038" idx="3"/>
           </p:cNvCxnSpPr>
           <p:nvPr/>
         </p:nvCxnSpPr>
         <p:spPr>
           <a:xfrm>
-            <a:off x="13384234" y="7604908"/>
-            <a:ext cx="599990" cy="191876"/>
+            <a:off x="13480084" y="7471988"/>
+            <a:ext cx="504140" cy="324796"/>
           </a:xfrm>
           <a:prstGeom prst="straightConnector1">
             <a:avLst/>
@@ -5419,6 +5421,95 @@
                 <a:ea typeface="思源黑体" panose="020B0500000000000000" pitchFamily="34" charset="-122"/>
               </a:rPr>
               <a:t>error-packer</a:t>
+            </a:r>
+            <a:endParaRPr lang="zh-CN" altLang="en-US" dirty="0">
+              <a:latin typeface="思源黑体" panose="020B0500000000000000" pitchFamily="34" charset="-122"/>
+              <a:ea typeface="思源黑体" panose="020B0500000000000000" pitchFamily="34" charset="-122"/>
+            </a:endParaRPr>
+          </a:p>
+        </p:txBody>
+      </p:sp>
+      <p:pic>
+        <p:nvPicPr>
+          <p:cNvPr id="2" name="Picture 2">
+            <a:extLst>
+              <a:ext uri="{FF2B5EF4-FFF2-40B4-BE49-F238E27FC236}">
+                <a16:creationId xmlns:a16="http://schemas.microsoft.com/office/drawing/2014/main" id="{E5648076-5C17-7DC3-A112-ACAF39DC95B7}"/>
+              </a:ext>
+            </a:extLst>
+          </p:cNvPr>
+          <p:cNvPicPr>
+            <a:picLocks noChangeAspect="1" noChangeArrowheads="1"/>
+          </p:cNvPicPr>
+          <p:nvPr/>
+        </p:nvPicPr>
+        <p:blipFill>
+          <a:blip r:embed="rId13">
+            <a:extLst>
+              <a:ext uri="{28A0092B-C50C-407E-A947-70E740481C1C}">
+                <a14:useLocalDpi xmlns:a14="http://schemas.microsoft.com/office/drawing/2010/main" val="0"/>
+              </a:ext>
+            </a:extLst>
+          </a:blip>
+          <a:srcRect/>
+          <a:stretch>
+            <a:fillRect/>
+          </a:stretch>
+        </p:blipFill>
+        <p:spPr bwMode="auto">
+          <a:xfrm>
+            <a:off x="2744494" y="7029856"/>
+            <a:ext cx="599252" cy="477545"/>
+          </a:xfrm>
+          <a:prstGeom prst="rect">
+            <a:avLst/>
+          </a:prstGeom>
+          <a:noFill/>
+          <a:extLst>
+            <a:ext uri="{909E8E84-426E-40DD-AFC4-6F175D3DCCD1}">
+              <a14:hiddenFill xmlns:a14="http://schemas.microsoft.com/office/drawing/2010/main">
+                <a:solidFill>
+                  <a:srgbClr val="FFFFFF"/>
+                </a:solidFill>
+              </a14:hiddenFill>
+            </a:ext>
+          </a:extLst>
+        </p:spPr>
+      </p:pic>
+      <p:sp>
+        <p:nvSpPr>
+          <p:cNvPr id="10" name="TextBox 9">
+            <a:extLst>
+              <a:ext uri="{FF2B5EF4-FFF2-40B4-BE49-F238E27FC236}">
+                <a16:creationId xmlns:a16="http://schemas.microsoft.com/office/drawing/2014/main" id="{342C4991-0DED-0E1F-CB8A-4D4865BF67B5}"/>
+              </a:ext>
+            </a:extLst>
+          </p:cNvPr>
+          <p:cNvSpPr txBox="1"/>
+          <p:nvPr/>
+        </p:nvSpPr>
+        <p:spPr>
+          <a:xfrm>
+            <a:off x="10599516" y="6606553"/>
+            <a:ext cx="978345" cy="369332"/>
+          </a:xfrm>
+          <a:prstGeom prst="rect">
+            <a:avLst/>
+          </a:prstGeom>
+          <a:noFill/>
+        </p:spPr>
+        <p:txBody>
+          <a:bodyPr wrap="none" rtlCol="0">
+            <a:spAutoFit/>
+          </a:bodyPr>
+          <a:lstStyle/>
+          <a:p>
+            <a:r>
+              <a:rPr lang="en-US" altLang="zh-CN" dirty="0" err="1">
+                <a:latin typeface="思源黑体" panose="020B0500000000000000" pitchFamily="34" charset="-122"/>
+                <a:ea typeface="思源黑体" panose="020B0500000000000000" pitchFamily="34" charset="-122"/>
+              </a:rPr>
+              <a:t>sarama</a:t>
             </a:r>
             <a:endParaRPr lang="zh-CN" altLang="en-US" dirty="0">
               <a:latin typeface="思源黑体" panose="020B0500000000000000" pitchFamily="34" charset="-122"/>

--- a/assets/diagram.pptx
+++ b/assets/diagram.pptx
@@ -3742,7 +3742,7 @@
         </p:nvSpPr>
         <p:spPr>
           <a:xfrm>
-            <a:off x="13377843" y="2890607"/>
+            <a:off x="13388003" y="2027007"/>
             <a:ext cx="1735155" cy="369332"/>
           </a:xfrm>
           <a:prstGeom prst="rect">
@@ -3772,10 +3772,96 @@
       </p:sp>
       <p:sp>
         <p:nvSpPr>
-          <p:cNvPr id="43" name="Rectangle: Rounded Corners 42">
+          <p:cNvPr id="44" name="TextBox 43">
             <a:extLst>
               <a:ext uri="{FF2B5EF4-FFF2-40B4-BE49-F238E27FC236}">
-                <a16:creationId xmlns:a16="http://schemas.microsoft.com/office/drawing/2014/main" id="{94912EE2-1D79-1E4A-8ABD-44030AC3AE33}"/>
+                <a16:creationId xmlns:a16="http://schemas.microsoft.com/office/drawing/2014/main" id="{840136E3-524A-B3CF-992D-063DC88B4AAC}"/>
+              </a:ext>
+            </a:extLst>
+          </p:cNvPr>
+          <p:cNvSpPr txBox="1"/>
+          <p:nvPr/>
+        </p:nvSpPr>
+        <p:spPr>
+          <a:xfrm>
+            <a:off x="13942135" y="7782863"/>
+            <a:ext cx="1943609" cy="369332"/>
+          </a:xfrm>
+          <a:prstGeom prst="rect">
+            <a:avLst/>
+          </a:prstGeom>
+          <a:noFill/>
+        </p:spPr>
+        <p:txBody>
+          <a:bodyPr wrap="none" rtlCol="0">
+            <a:spAutoFit/>
+          </a:bodyPr>
+          <a:lstStyle/>
+          <a:p>
+            <a:r>
+              <a:rPr lang="en-US" altLang="zh-CN" b="1" dirty="0">
+                <a:latin typeface="思源黑体" panose="020B0500000000000000" pitchFamily="34" charset="-122"/>
+                <a:ea typeface="思源黑体" panose="020B0500000000000000" pitchFamily="34" charset="-122"/>
+              </a:rPr>
+              <a:t>Message Queue</a:t>
+            </a:r>
+            <a:endParaRPr lang="zh-CN" altLang="en-US" b="1" dirty="0">
+              <a:latin typeface="思源黑体" panose="020B0500000000000000" pitchFamily="34" charset="-122"/>
+              <a:ea typeface="思源黑体" panose="020B0500000000000000" pitchFamily="34" charset="-122"/>
+            </a:endParaRPr>
+          </a:p>
+        </p:txBody>
+      </p:sp>
+      <p:cxnSp>
+        <p:nvCxnSpPr>
+          <p:cNvPr id="52" name="Straight Arrow Connector 51">
+            <a:extLst>
+              <a:ext uri="{FF2B5EF4-FFF2-40B4-BE49-F238E27FC236}">
+                <a16:creationId xmlns:a16="http://schemas.microsoft.com/office/drawing/2014/main" id="{E12936F4-25FC-9648-F505-B5C5CBA9481C}"/>
+              </a:ext>
+            </a:extLst>
+          </p:cNvPr>
+          <p:cNvCxnSpPr>
+            <a:cxnSpLocks/>
+          </p:cNvCxnSpPr>
+          <p:nvPr/>
+        </p:nvCxnSpPr>
+        <p:spPr>
+          <a:xfrm>
+            <a:off x="13543454" y="7507401"/>
+            <a:ext cx="707763" cy="0"/>
+          </a:xfrm>
+          <a:prstGeom prst="straightConnector1">
+            <a:avLst/>
+          </a:prstGeom>
+          <a:ln w="38100">
+            <a:solidFill>
+              <a:schemeClr val="tx1"/>
+            </a:solidFill>
+            <a:tailEnd type="triangle"/>
+          </a:ln>
+        </p:spPr>
+        <p:style>
+          <a:lnRef idx="1">
+            <a:schemeClr val="accent1"/>
+          </a:lnRef>
+          <a:fillRef idx="0">
+            <a:schemeClr val="accent1"/>
+          </a:fillRef>
+          <a:effectRef idx="0">
+            <a:schemeClr val="accent1"/>
+          </a:effectRef>
+          <a:fontRef idx="minor">
+            <a:schemeClr val="tx1"/>
+          </a:fontRef>
+        </p:style>
+      </p:cxnSp>
+      <p:sp>
+        <p:nvSpPr>
+          <p:cNvPr id="60" name="Rectangle: Rounded Corners 59">
+            <a:extLst>
+              <a:ext uri="{FF2B5EF4-FFF2-40B4-BE49-F238E27FC236}">
+                <a16:creationId xmlns:a16="http://schemas.microsoft.com/office/drawing/2014/main" id="{49DDF45B-5001-BD6E-5684-2A06A26C39F0}"/>
               </a:ext>
             </a:extLst>
           </p:cNvPr>
@@ -3784,10 +3870,254 @@
         </p:nvSpPr>
         <p:spPr>
           <a:xfrm>
-            <a:off x="14115712" y="7248677"/>
-            <a:ext cx="1955734" cy="1163065"/>
+            <a:off x="13693536" y="2753124"/>
+            <a:ext cx="1124725" cy="548640"/>
           </a:xfrm>
           <a:prstGeom prst="roundRect">
+            <a:avLst>
+              <a:gd name="adj" fmla="val 0"/>
+            </a:avLst>
+          </a:prstGeom>
+          <a:ln w="38100">
+            <a:solidFill>
+              <a:schemeClr val="tx1"/>
+            </a:solidFill>
+          </a:ln>
+        </p:spPr>
+        <p:style>
+          <a:lnRef idx="2">
+            <a:schemeClr val="dk1"/>
+          </a:lnRef>
+          <a:fillRef idx="1">
+            <a:schemeClr val="lt1"/>
+          </a:fillRef>
+          <a:effectRef idx="0">
+            <a:schemeClr val="dk1"/>
+          </a:effectRef>
+          <a:fontRef idx="minor">
+            <a:schemeClr val="dk1"/>
+          </a:fontRef>
+        </p:style>
+        <p:txBody>
+          <a:bodyPr rtlCol="0" anchor="ctr"/>
+          <a:lstStyle/>
+          <a:p>
+            <a:pPr algn="ctr"/>
+            <a:r>
+              <a:rPr lang="en-US" altLang="zh-CN" dirty="0">
+                <a:latin typeface="思源黑体" panose="020B0500000000000000" pitchFamily="34" charset="-122"/>
+                <a:ea typeface="思源黑体" panose="020B0500000000000000" pitchFamily="34" charset="-122"/>
+              </a:rPr>
+              <a:t>Dorm</a:t>
+            </a:r>
+            <a:endParaRPr lang="zh-CN" altLang="en-US" dirty="0">
+              <a:latin typeface="思源黑体" panose="020B0500000000000000" pitchFamily="34" charset="-122"/>
+              <a:ea typeface="思源黑体" panose="020B0500000000000000" pitchFamily="34" charset="-122"/>
+            </a:endParaRPr>
+          </a:p>
+        </p:txBody>
+      </p:sp>
+      <p:sp>
+        <p:nvSpPr>
+          <p:cNvPr id="61" name="Rectangle: Rounded Corners 60">
+            <a:extLst>
+              <a:ext uri="{FF2B5EF4-FFF2-40B4-BE49-F238E27FC236}">
+                <a16:creationId xmlns:a16="http://schemas.microsoft.com/office/drawing/2014/main" id="{3A49AA30-4B8A-2A9A-424A-C6DD88A462EC}"/>
+              </a:ext>
+            </a:extLst>
+          </p:cNvPr>
+          <p:cNvSpPr/>
+          <p:nvPr/>
+        </p:nvSpPr>
+        <p:spPr>
+          <a:xfrm>
+            <a:off x="13693535" y="3411768"/>
+            <a:ext cx="1124725" cy="548640"/>
+          </a:xfrm>
+          <a:prstGeom prst="roundRect">
+            <a:avLst>
+              <a:gd name="adj" fmla="val 0"/>
+            </a:avLst>
+          </a:prstGeom>
+          <a:ln w="38100">
+            <a:solidFill>
+              <a:schemeClr val="tx1"/>
+            </a:solidFill>
+          </a:ln>
+        </p:spPr>
+        <p:style>
+          <a:lnRef idx="2">
+            <a:schemeClr val="dk1"/>
+          </a:lnRef>
+          <a:fillRef idx="1">
+            <a:schemeClr val="lt1"/>
+          </a:fillRef>
+          <a:effectRef idx="0">
+            <a:schemeClr val="dk1"/>
+          </a:effectRef>
+          <a:fontRef idx="minor">
+            <a:schemeClr val="dk1"/>
+          </a:fontRef>
+        </p:style>
+        <p:txBody>
+          <a:bodyPr rtlCol="0" anchor="ctr"/>
+          <a:lstStyle/>
+          <a:p>
+            <a:pPr algn="ctr"/>
+            <a:r>
+              <a:rPr lang="en-US" altLang="zh-CN" dirty="0">
+                <a:latin typeface="思源黑体" panose="020B0500000000000000" pitchFamily="34" charset="-122"/>
+                <a:ea typeface="思源黑体" panose="020B0500000000000000" pitchFamily="34" charset="-122"/>
+              </a:rPr>
+              <a:t>Team</a:t>
+            </a:r>
+            <a:endParaRPr lang="zh-CN" altLang="en-US" dirty="0">
+              <a:latin typeface="思源黑体" panose="020B0500000000000000" pitchFamily="34" charset="-122"/>
+              <a:ea typeface="思源黑体" panose="020B0500000000000000" pitchFamily="34" charset="-122"/>
+            </a:endParaRPr>
+          </a:p>
+        </p:txBody>
+      </p:sp>
+      <p:sp>
+        <p:nvSpPr>
+          <p:cNvPr id="62" name="Rectangle: Rounded Corners 61">
+            <a:extLst>
+              <a:ext uri="{FF2B5EF4-FFF2-40B4-BE49-F238E27FC236}">
+                <a16:creationId xmlns:a16="http://schemas.microsoft.com/office/drawing/2014/main" id="{20B3199C-B77A-441E-50D0-EE56BD507226}"/>
+              </a:ext>
+            </a:extLst>
+          </p:cNvPr>
+          <p:cNvSpPr/>
+          <p:nvPr/>
+        </p:nvSpPr>
+        <p:spPr>
+          <a:xfrm>
+            <a:off x="13693536" y="4735850"/>
+            <a:ext cx="1124725" cy="548640"/>
+          </a:xfrm>
+          <a:prstGeom prst="roundRect">
+            <a:avLst>
+              <a:gd name="adj" fmla="val 0"/>
+            </a:avLst>
+          </a:prstGeom>
+          <a:ln w="38100">
+            <a:solidFill>
+              <a:schemeClr val="tx1"/>
+            </a:solidFill>
+          </a:ln>
+        </p:spPr>
+        <p:style>
+          <a:lnRef idx="2">
+            <a:schemeClr val="dk1"/>
+          </a:lnRef>
+          <a:fillRef idx="1">
+            <a:schemeClr val="lt1"/>
+          </a:fillRef>
+          <a:effectRef idx="0">
+            <a:schemeClr val="dk1"/>
+          </a:effectRef>
+          <a:fontRef idx="minor">
+            <a:schemeClr val="dk1"/>
+          </a:fontRef>
+        </p:style>
+        <p:txBody>
+          <a:bodyPr rtlCol="0" anchor="ctr"/>
+          <a:lstStyle/>
+          <a:p>
+            <a:pPr algn="ctr"/>
+            <a:r>
+              <a:rPr lang="en-US" altLang="zh-CN" dirty="0">
+                <a:latin typeface="思源黑体" panose="020B0500000000000000" pitchFamily="34" charset="-122"/>
+                <a:ea typeface="思源黑体" panose="020B0500000000000000" pitchFamily="34" charset="-122"/>
+              </a:rPr>
+              <a:t>User</a:t>
+            </a:r>
+            <a:endParaRPr lang="zh-CN" altLang="en-US" dirty="0">
+              <a:latin typeface="思源黑体" panose="020B0500000000000000" pitchFamily="34" charset="-122"/>
+              <a:ea typeface="思源黑体" panose="020B0500000000000000" pitchFamily="34" charset="-122"/>
+            </a:endParaRPr>
+          </a:p>
+        </p:txBody>
+      </p:sp>
+      <p:sp>
+        <p:nvSpPr>
+          <p:cNvPr id="63" name="Rectangle: Rounded Corners 62">
+            <a:extLst>
+              <a:ext uri="{FF2B5EF4-FFF2-40B4-BE49-F238E27FC236}">
+                <a16:creationId xmlns:a16="http://schemas.microsoft.com/office/drawing/2014/main" id="{33133EED-6D2F-C0F4-4C60-2DF6B9E7E386}"/>
+              </a:ext>
+            </a:extLst>
+          </p:cNvPr>
+          <p:cNvSpPr/>
+          <p:nvPr/>
+        </p:nvSpPr>
+        <p:spPr>
+          <a:xfrm>
+            <a:off x="13693536" y="4074941"/>
+            <a:ext cx="1124725" cy="548640"/>
+          </a:xfrm>
+          <a:prstGeom prst="roundRect">
+            <a:avLst>
+              <a:gd name="adj" fmla="val 0"/>
+            </a:avLst>
+          </a:prstGeom>
+          <a:ln w="38100">
+            <a:solidFill>
+              <a:schemeClr val="tx1"/>
+            </a:solidFill>
+          </a:ln>
+        </p:spPr>
+        <p:style>
+          <a:lnRef idx="2">
+            <a:schemeClr val="dk1"/>
+          </a:lnRef>
+          <a:fillRef idx="1">
+            <a:schemeClr val="lt1"/>
+          </a:fillRef>
+          <a:effectRef idx="0">
+            <a:schemeClr val="dk1"/>
+          </a:effectRef>
+          <a:fontRef idx="minor">
+            <a:schemeClr val="dk1"/>
+          </a:fontRef>
+        </p:style>
+        <p:txBody>
+          <a:bodyPr rtlCol="0" anchor="ctr"/>
+          <a:lstStyle/>
+          <a:p>
+            <a:pPr algn="ctr"/>
+            <a:r>
+              <a:rPr lang="en-US" altLang="zh-CN" dirty="0">
+                <a:latin typeface="思源黑体" panose="020B0500000000000000" pitchFamily="34" charset="-122"/>
+                <a:ea typeface="思源黑体" panose="020B0500000000000000" pitchFamily="34" charset="-122"/>
+              </a:rPr>
+              <a:t>Token</a:t>
+            </a:r>
+            <a:endParaRPr lang="zh-CN" altLang="en-US" dirty="0">
+              <a:latin typeface="思源黑体" panose="020B0500000000000000" pitchFamily="34" charset="-122"/>
+              <a:ea typeface="思源黑体" panose="020B0500000000000000" pitchFamily="34" charset="-122"/>
+            </a:endParaRPr>
+          </a:p>
+        </p:txBody>
+      </p:sp>
+      <p:sp>
+        <p:nvSpPr>
+          <p:cNvPr id="1024" name="Rectangle 1023">
+            <a:extLst>
+              <a:ext uri="{FF2B5EF4-FFF2-40B4-BE49-F238E27FC236}">
+                <a16:creationId xmlns:a16="http://schemas.microsoft.com/office/drawing/2014/main" id="{406600A8-EE66-E469-B941-D115853678BA}"/>
+              </a:ext>
+            </a:extLst>
+          </p:cNvPr>
+          <p:cNvSpPr/>
+          <p:nvPr/>
+        </p:nvSpPr>
+        <p:spPr>
+          <a:xfrm>
+            <a:off x="13405969" y="2481485"/>
+            <a:ext cx="1690497" cy="3797396"/>
+          </a:xfrm>
+          <a:prstGeom prst="rect">
             <a:avLst/>
           </a:prstGeom>
           <a:noFill/>
@@ -3795,6 +4125,7 @@
             <a:solidFill>
               <a:schemeClr val="tx1"/>
             </a:solidFill>
+            <a:prstDash val="sysDash"/>
           </a:ln>
         </p:spPr>
         <p:style>
@@ -3824,181 +4155,10 @@
       </p:sp>
       <p:sp>
         <p:nvSpPr>
-          <p:cNvPr id="44" name="TextBox 43">
+          <p:cNvPr id="1025" name="Rectangle: Rounded Corners 1024">
             <a:extLst>
               <a:ext uri="{FF2B5EF4-FFF2-40B4-BE49-F238E27FC236}">
-                <a16:creationId xmlns:a16="http://schemas.microsoft.com/office/drawing/2014/main" id="{840136E3-524A-B3CF-992D-063DC88B4AAC}"/>
-              </a:ext>
-            </a:extLst>
-          </p:cNvPr>
-          <p:cNvSpPr txBox="1"/>
-          <p:nvPr/>
-        </p:nvSpPr>
-        <p:spPr>
-          <a:xfrm>
-            <a:off x="14143146" y="6741447"/>
-            <a:ext cx="1943609" cy="369332"/>
-          </a:xfrm>
-          <a:prstGeom prst="rect">
-            <a:avLst/>
-          </a:prstGeom>
-          <a:noFill/>
-        </p:spPr>
-        <p:txBody>
-          <a:bodyPr wrap="none" rtlCol="0">
-            <a:spAutoFit/>
-          </a:bodyPr>
-          <a:lstStyle/>
-          <a:p>
-            <a:r>
-              <a:rPr lang="en-US" altLang="zh-CN" b="1" dirty="0">
-                <a:latin typeface="思源黑体" panose="020B0500000000000000" pitchFamily="34" charset="-122"/>
-                <a:ea typeface="思源黑体" panose="020B0500000000000000" pitchFamily="34" charset="-122"/>
-              </a:rPr>
-              <a:t>Message Queue</a:t>
-            </a:r>
-            <a:endParaRPr lang="zh-CN" altLang="en-US" b="1" dirty="0">
-              <a:latin typeface="思源黑体" panose="020B0500000000000000" pitchFamily="34" charset="-122"/>
-              <a:ea typeface="思源黑体" panose="020B0500000000000000" pitchFamily="34" charset="-122"/>
-            </a:endParaRPr>
-          </a:p>
-        </p:txBody>
-      </p:sp>
-      <p:sp>
-        <p:nvSpPr>
-          <p:cNvPr id="46" name="TextBox 45">
-            <a:extLst>
-              <a:ext uri="{FF2B5EF4-FFF2-40B4-BE49-F238E27FC236}">
-                <a16:creationId xmlns:a16="http://schemas.microsoft.com/office/drawing/2014/main" id="{BF0D5EAE-2431-5947-7AA6-F4F313C80E6D}"/>
-              </a:ext>
-            </a:extLst>
-          </p:cNvPr>
-          <p:cNvSpPr txBox="1"/>
-          <p:nvPr/>
-        </p:nvSpPr>
-        <p:spPr>
-          <a:xfrm>
-            <a:off x="14275901" y="7424181"/>
-            <a:ext cx="1562287" cy="369332"/>
-          </a:xfrm>
-          <a:prstGeom prst="rect">
-            <a:avLst/>
-          </a:prstGeom>
-          <a:noFill/>
-        </p:spPr>
-        <p:txBody>
-          <a:bodyPr wrap="none" rtlCol="0">
-            <a:spAutoFit/>
-          </a:bodyPr>
-          <a:lstStyle/>
-          <a:p>
-            <a:r>
-              <a:rPr lang="en-US" altLang="zh-CN" dirty="0">
-                <a:latin typeface="思源黑体" panose="020B0500000000000000" pitchFamily="34" charset="-122"/>
-                <a:ea typeface="思源黑体" panose="020B0500000000000000" pitchFamily="34" charset="-122"/>
-              </a:rPr>
-              <a:t>Order Queue</a:t>
-            </a:r>
-            <a:endParaRPr lang="zh-CN" altLang="en-US" dirty="0">
-              <a:latin typeface="思源黑体" panose="020B0500000000000000" pitchFamily="34" charset="-122"/>
-              <a:ea typeface="思源黑体" panose="020B0500000000000000" pitchFamily="34" charset="-122"/>
-            </a:endParaRPr>
-          </a:p>
-        </p:txBody>
-      </p:sp>
-      <p:sp>
-        <p:nvSpPr>
-          <p:cNvPr id="48" name="TextBox 47">
-            <a:extLst>
-              <a:ext uri="{FF2B5EF4-FFF2-40B4-BE49-F238E27FC236}">
-                <a16:creationId xmlns:a16="http://schemas.microsoft.com/office/drawing/2014/main" id="{6878415B-8537-5460-9C79-2D212A2B1E25}"/>
-              </a:ext>
-            </a:extLst>
-          </p:cNvPr>
-          <p:cNvSpPr txBox="1"/>
-          <p:nvPr/>
-        </p:nvSpPr>
-        <p:spPr>
-          <a:xfrm>
-            <a:off x="14275901" y="7865896"/>
-            <a:ext cx="1641988" cy="369332"/>
-          </a:xfrm>
-          <a:prstGeom prst="rect">
-            <a:avLst/>
-          </a:prstGeom>
-          <a:noFill/>
-        </p:spPr>
-        <p:txBody>
-          <a:bodyPr wrap="none" rtlCol="0">
-            <a:spAutoFit/>
-          </a:bodyPr>
-          <a:lstStyle/>
-          <a:p>
-            <a:r>
-              <a:rPr lang="en-US" altLang="zh-CN" dirty="0">
-                <a:latin typeface="思源黑体" panose="020B0500000000000000" pitchFamily="34" charset="-122"/>
-                <a:ea typeface="思源黑体" panose="020B0500000000000000" pitchFamily="34" charset="-122"/>
-              </a:rPr>
-              <a:t>Order Service</a:t>
-            </a:r>
-            <a:endParaRPr lang="zh-CN" altLang="en-US" dirty="0">
-              <a:latin typeface="思源黑体" panose="020B0500000000000000" pitchFamily="34" charset="-122"/>
-              <a:ea typeface="思源黑体" panose="020B0500000000000000" pitchFamily="34" charset="-122"/>
-            </a:endParaRPr>
-          </a:p>
-        </p:txBody>
-      </p:sp>
-      <p:cxnSp>
-        <p:nvCxnSpPr>
-          <p:cNvPr id="52" name="Straight Arrow Connector 51">
-            <a:extLst>
-              <a:ext uri="{FF2B5EF4-FFF2-40B4-BE49-F238E27FC236}">
-                <a16:creationId xmlns:a16="http://schemas.microsoft.com/office/drawing/2014/main" id="{E12936F4-25FC-9648-F505-B5C5CBA9481C}"/>
-              </a:ext>
-            </a:extLst>
-          </p:cNvPr>
-          <p:cNvCxnSpPr>
-            <a:cxnSpLocks/>
-            <a:stCxn id="1038" idx="3"/>
-          </p:cNvCxnSpPr>
-          <p:nvPr/>
-        </p:nvCxnSpPr>
-        <p:spPr>
-          <a:xfrm>
-            <a:off x="13480084" y="7471988"/>
-            <a:ext cx="504140" cy="324796"/>
-          </a:xfrm>
-          <a:prstGeom prst="straightConnector1">
-            <a:avLst/>
-          </a:prstGeom>
-          <a:ln w="38100">
-            <a:solidFill>
-              <a:schemeClr val="tx1"/>
-            </a:solidFill>
-            <a:tailEnd type="triangle"/>
-          </a:ln>
-        </p:spPr>
-        <p:style>
-          <a:lnRef idx="1">
-            <a:schemeClr val="accent1"/>
-          </a:lnRef>
-          <a:fillRef idx="0">
-            <a:schemeClr val="accent1"/>
-          </a:fillRef>
-          <a:effectRef idx="0">
-            <a:schemeClr val="accent1"/>
-          </a:effectRef>
-          <a:fontRef idx="minor">
-            <a:schemeClr val="tx1"/>
-          </a:fontRef>
-        </p:style>
-      </p:cxnSp>
-      <p:sp>
-        <p:nvSpPr>
-          <p:cNvPr id="60" name="Rectangle: Rounded Corners 59">
-            <a:extLst>
-              <a:ext uri="{FF2B5EF4-FFF2-40B4-BE49-F238E27FC236}">
-                <a16:creationId xmlns:a16="http://schemas.microsoft.com/office/drawing/2014/main" id="{49DDF45B-5001-BD6E-5684-2A06A26C39F0}"/>
+                <a16:creationId xmlns:a16="http://schemas.microsoft.com/office/drawing/2014/main" id="{C8B6156D-3939-3C86-0971-DD0FF4E99331}"/>
               </a:ext>
             </a:extLst>
           </p:cNvPr>
@@ -4007,254 +4167,10 @@
         </p:nvSpPr>
         <p:spPr>
           <a:xfrm>
-            <a:off x="13683376" y="3616724"/>
-            <a:ext cx="1124725" cy="548640"/>
+            <a:off x="19269677" y="5727824"/>
+            <a:ext cx="1673368" cy="1711708"/>
           </a:xfrm>
           <a:prstGeom prst="roundRect">
-            <a:avLst>
-              <a:gd name="adj" fmla="val 0"/>
-            </a:avLst>
-          </a:prstGeom>
-          <a:ln w="38100">
-            <a:solidFill>
-              <a:schemeClr val="tx1"/>
-            </a:solidFill>
-          </a:ln>
-        </p:spPr>
-        <p:style>
-          <a:lnRef idx="2">
-            <a:schemeClr val="dk1"/>
-          </a:lnRef>
-          <a:fillRef idx="1">
-            <a:schemeClr val="lt1"/>
-          </a:fillRef>
-          <a:effectRef idx="0">
-            <a:schemeClr val="dk1"/>
-          </a:effectRef>
-          <a:fontRef idx="minor">
-            <a:schemeClr val="dk1"/>
-          </a:fontRef>
-        </p:style>
-        <p:txBody>
-          <a:bodyPr rtlCol="0" anchor="ctr"/>
-          <a:lstStyle/>
-          <a:p>
-            <a:pPr algn="ctr"/>
-            <a:r>
-              <a:rPr lang="en-US" altLang="zh-CN" dirty="0">
-                <a:latin typeface="思源黑体" panose="020B0500000000000000" pitchFamily="34" charset="-122"/>
-                <a:ea typeface="思源黑体" panose="020B0500000000000000" pitchFamily="34" charset="-122"/>
-              </a:rPr>
-              <a:t>User</a:t>
-            </a:r>
-            <a:endParaRPr lang="zh-CN" altLang="en-US" dirty="0">
-              <a:latin typeface="思源黑体" panose="020B0500000000000000" pitchFamily="34" charset="-122"/>
-              <a:ea typeface="思源黑体" panose="020B0500000000000000" pitchFamily="34" charset="-122"/>
-            </a:endParaRPr>
-          </a:p>
-        </p:txBody>
-      </p:sp>
-      <p:sp>
-        <p:nvSpPr>
-          <p:cNvPr id="61" name="Rectangle: Rounded Corners 60">
-            <a:extLst>
-              <a:ext uri="{FF2B5EF4-FFF2-40B4-BE49-F238E27FC236}">
-                <a16:creationId xmlns:a16="http://schemas.microsoft.com/office/drawing/2014/main" id="{3A49AA30-4B8A-2A9A-424A-C6DD88A462EC}"/>
-              </a:ext>
-            </a:extLst>
-          </p:cNvPr>
-          <p:cNvSpPr/>
-          <p:nvPr/>
-        </p:nvSpPr>
-        <p:spPr>
-          <a:xfrm>
-            <a:off x="13683375" y="4275368"/>
-            <a:ext cx="1124725" cy="548640"/>
-          </a:xfrm>
-          <a:prstGeom prst="roundRect">
-            <a:avLst>
-              <a:gd name="adj" fmla="val 0"/>
-            </a:avLst>
-          </a:prstGeom>
-          <a:ln w="38100">
-            <a:solidFill>
-              <a:schemeClr val="tx1"/>
-            </a:solidFill>
-          </a:ln>
-        </p:spPr>
-        <p:style>
-          <a:lnRef idx="2">
-            <a:schemeClr val="dk1"/>
-          </a:lnRef>
-          <a:fillRef idx="1">
-            <a:schemeClr val="lt1"/>
-          </a:fillRef>
-          <a:effectRef idx="0">
-            <a:schemeClr val="dk1"/>
-          </a:effectRef>
-          <a:fontRef idx="minor">
-            <a:schemeClr val="dk1"/>
-          </a:fontRef>
-        </p:style>
-        <p:txBody>
-          <a:bodyPr rtlCol="0" anchor="ctr"/>
-          <a:lstStyle/>
-          <a:p>
-            <a:pPr algn="ctr"/>
-            <a:r>
-              <a:rPr lang="en-US" altLang="zh-CN" dirty="0">
-                <a:latin typeface="思源黑体" panose="020B0500000000000000" pitchFamily="34" charset="-122"/>
-                <a:ea typeface="思源黑体" panose="020B0500000000000000" pitchFamily="34" charset="-122"/>
-              </a:rPr>
-              <a:t>Token</a:t>
-            </a:r>
-            <a:endParaRPr lang="zh-CN" altLang="en-US" dirty="0">
-              <a:latin typeface="思源黑体" panose="020B0500000000000000" pitchFamily="34" charset="-122"/>
-              <a:ea typeface="思源黑体" panose="020B0500000000000000" pitchFamily="34" charset="-122"/>
-            </a:endParaRPr>
-          </a:p>
-        </p:txBody>
-      </p:sp>
-      <p:sp>
-        <p:nvSpPr>
-          <p:cNvPr id="62" name="Rectangle: Rounded Corners 61">
-            <a:extLst>
-              <a:ext uri="{FF2B5EF4-FFF2-40B4-BE49-F238E27FC236}">
-                <a16:creationId xmlns:a16="http://schemas.microsoft.com/office/drawing/2014/main" id="{20B3199C-B77A-441E-50D0-EE56BD507226}"/>
-              </a:ext>
-            </a:extLst>
-          </p:cNvPr>
-          <p:cNvSpPr/>
-          <p:nvPr/>
-        </p:nvSpPr>
-        <p:spPr>
-          <a:xfrm>
-            <a:off x="13683376" y="5599450"/>
-            <a:ext cx="1124725" cy="548640"/>
-          </a:xfrm>
-          <a:prstGeom prst="roundRect">
-            <a:avLst>
-              <a:gd name="adj" fmla="val 0"/>
-            </a:avLst>
-          </a:prstGeom>
-          <a:ln w="38100">
-            <a:solidFill>
-              <a:schemeClr val="tx1"/>
-            </a:solidFill>
-          </a:ln>
-        </p:spPr>
-        <p:style>
-          <a:lnRef idx="2">
-            <a:schemeClr val="dk1"/>
-          </a:lnRef>
-          <a:fillRef idx="1">
-            <a:schemeClr val="lt1"/>
-          </a:fillRef>
-          <a:effectRef idx="0">
-            <a:schemeClr val="dk1"/>
-          </a:effectRef>
-          <a:fontRef idx="minor">
-            <a:schemeClr val="dk1"/>
-          </a:fontRef>
-        </p:style>
-        <p:txBody>
-          <a:bodyPr rtlCol="0" anchor="ctr"/>
-          <a:lstStyle/>
-          <a:p>
-            <a:pPr algn="ctr"/>
-            <a:r>
-              <a:rPr lang="en-US" altLang="zh-CN" dirty="0">
-                <a:latin typeface="思源黑体" panose="020B0500000000000000" pitchFamily="34" charset="-122"/>
-                <a:ea typeface="思源黑体" panose="020B0500000000000000" pitchFamily="34" charset="-122"/>
-              </a:rPr>
-              <a:t>Dorm</a:t>
-            </a:r>
-            <a:endParaRPr lang="zh-CN" altLang="en-US" dirty="0">
-              <a:latin typeface="思源黑体" panose="020B0500000000000000" pitchFamily="34" charset="-122"/>
-              <a:ea typeface="思源黑体" panose="020B0500000000000000" pitchFamily="34" charset="-122"/>
-            </a:endParaRPr>
-          </a:p>
-        </p:txBody>
-      </p:sp>
-      <p:sp>
-        <p:nvSpPr>
-          <p:cNvPr id="63" name="Rectangle: Rounded Corners 62">
-            <a:extLst>
-              <a:ext uri="{FF2B5EF4-FFF2-40B4-BE49-F238E27FC236}">
-                <a16:creationId xmlns:a16="http://schemas.microsoft.com/office/drawing/2014/main" id="{33133EED-6D2F-C0F4-4C60-2DF6B9E7E386}"/>
-              </a:ext>
-            </a:extLst>
-          </p:cNvPr>
-          <p:cNvSpPr/>
-          <p:nvPr/>
-        </p:nvSpPr>
-        <p:spPr>
-          <a:xfrm>
-            <a:off x="13683376" y="4938541"/>
-            <a:ext cx="1124725" cy="548640"/>
-          </a:xfrm>
-          <a:prstGeom prst="roundRect">
-            <a:avLst>
-              <a:gd name="adj" fmla="val 0"/>
-            </a:avLst>
-          </a:prstGeom>
-          <a:ln w="38100">
-            <a:solidFill>
-              <a:schemeClr val="tx1"/>
-            </a:solidFill>
-          </a:ln>
-        </p:spPr>
-        <p:style>
-          <a:lnRef idx="2">
-            <a:schemeClr val="dk1"/>
-          </a:lnRef>
-          <a:fillRef idx="1">
-            <a:schemeClr val="lt1"/>
-          </a:fillRef>
-          <a:effectRef idx="0">
-            <a:schemeClr val="dk1"/>
-          </a:effectRef>
-          <a:fontRef idx="minor">
-            <a:schemeClr val="dk1"/>
-          </a:fontRef>
-        </p:style>
-        <p:txBody>
-          <a:bodyPr rtlCol="0" anchor="ctr"/>
-          <a:lstStyle/>
-          <a:p>
-            <a:pPr algn="ctr"/>
-            <a:r>
-              <a:rPr lang="en-US" altLang="zh-CN" dirty="0">
-                <a:latin typeface="思源黑体" panose="020B0500000000000000" pitchFamily="34" charset="-122"/>
-                <a:ea typeface="思源黑体" panose="020B0500000000000000" pitchFamily="34" charset="-122"/>
-              </a:rPr>
-              <a:t>Team</a:t>
-            </a:r>
-            <a:endParaRPr lang="zh-CN" altLang="en-US" dirty="0">
-              <a:latin typeface="思源黑体" panose="020B0500000000000000" pitchFamily="34" charset="-122"/>
-              <a:ea typeface="思源黑体" panose="020B0500000000000000" pitchFamily="34" charset="-122"/>
-            </a:endParaRPr>
-          </a:p>
-        </p:txBody>
-      </p:sp>
-      <p:sp>
-        <p:nvSpPr>
-          <p:cNvPr id="1024" name="Rectangle 1023">
-            <a:extLst>
-              <a:ext uri="{FF2B5EF4-FFF2-40B4-BE49-F238E27FC236}">
-                <a16:creationId xmlns:a16="http://schemas.microsoft.com/office/drawing/2014/main" id="{406600A8-EE66-E469-B941-D115853678BA}"/>
-              </a:ext>
-            </a:extLst>
-          </p:cNvPr>
-          <p:cNvSpPr/>
-          <p:nvPr/>
-        </p:nvSpPr>
-        <p:spPr>
-          <a:xfrm>
-            <a:off x="13395809" y="3345085"/>
-            <a:ext cx="1690497" cy="3061234"/>
-          </a:xfrm>
-          <a:prstGeom prst="rect">
             <a:avLst/>
           </a:prstGeom>
           <a:noFill/>
@@ -4262,7 +4178,6 @@
             <a:solidFill>
               <a:schemeClr val="tx1"/>
             </a:solidFill>
-            <a:prstDash val="sysDash"/>
           </a:ln>
         </p:spPr>
         <p:style>
@@ -4292,10 +4207,146 @@
       </p:sp>
       <p:sp>
         <p:nvSpPr>
-          <p:cNvPr id="1025" name="Rectangle: Rounded Corners 1024">
+          <p:cNvPr id="1027" name="TextBox 1026">
             <a:extLst>
               <a:ext uri="{FF2B5EF4-FFF2-40B4-BE49-F238E27FC236}">
-                <a16:creationId xmlns:a16="http://schemas.microsoft.com/office/drawing/2014/main" id="{C8B6156D-3939-3C86-0971-DD0FF4E99331}"/>
+                <a16:creationId xmlns:a16="http://schemas.microsoft.com/office/drawing/2014/main" id="{C5FC3BB0-00AD-5B41-AF06-3ECBE7E13864}"/>
+              </a:ext>
+            </a:extLst>
+          </p:cNvPr>
+          <p:cNvSpPr txBox="1"/>
+          <p:nvPr/>
+        </p:nvSpPr>
+        <p:spPr>
+          <a:xfrm>
+            <a:off x="19486671" y="5191750"/>
+            <a:ext cx="1239378" cy="369332"/>
+          </a:xfrm>
+          <a:prstGeom prst="rect">
+            <a:avLst/>
+          </a:prstGeom>
+          <a:noFill/>
+        </p:spPr>
+        <p:txBody>
+          <a:bodyPr wrap="none" rtlCol="0">
+            <a:spAutoFit/>
+          </a:bodyPr>
+          <a:lstStyle/>
+          <a:p>
+            <a:r>
+              <a:rPr lang="en-US" altLang="zh-CN" b="1" dirty="0">
+                <a:latin typeface="思源黑体" panose="020B0500000000000000" pitchFamily="34" charset="-122"/>
+                <a:ea typeface="思源黑体" panose="020B0500000000000000" pitchFamily="34" charset="-122"/>
+              </a:rPr>
+              <a:t>Database</a:t>
+            </a:r>
+            <a:endParaRPr lang="zh-CN" altLang="en-US" b="1" dirty="0">
+              <a:latin typeface="思源黑体" panose="020B0500000000000000" pitchFamily="34" charset="-122"/>
+              <a:ea typeface="思源黑体" panose="020B0500000000000000" pitchFamily="34" charset="-122"/>
+            </a:endParaRPr>
+          </a:p>
+        </p:txBody>
+      </p:sp>
+      <p:pic>
+        <p:nvPicPr>
+          <p:cNvPr id="1042" name="Picture 18" descr="MySQL logo and symbol, meaning, history, PNG">
+            <a:extLst>
+              <a:ext uri="{FF2B5EF4-FFF2-40B4-BE49-F238E27FC236}">
+                <a16:creationId xmlns:a16="http://schemas.microsoft.com/office/drawing/2014/main" id="{CE4FA58F-E9A6-A81B-899C-EF7D5B18AD27}"/>
+              </a:ext>
+            </a:extLst>
+          </p:cNvPr>
+          <p:cNvPicPr>
+            <a:picLocks noChangeAspect="1" noChangeArrowheads="1"/>
+          </p:cNvPicPr>
+          <p:nvPr/>
+        </p:nvPicPr>
+        <p:blipFill>
+          <a:blip r:embed="rId9">
+            <a:extLst>
+              <a:ext uri="{28A0092B-C50C-407E-A947-70E740481C1C}">
+                <a14:useLocalDpi xmlns:a14="http://schemas.microsoft.com/office/drawing/2010/main" val="0"/>
+              </a:ext>
+            </a:extLst>
+          </a:blip>
+          <a:srcRect/>
+          <a:stretch>
+            <a:fillRect/>
+          </a:stretch>
+        </p:blipFill>
+        <p:spPr bwMode="auto">
+          <a:xfrm>
+            <a:off x="19354678" y="6030172"/>
+            <a:ext cx="1503365" cy="939875"/>
+          </a:xfrm>
+          <a:prstGeom prst="rect">
+            <a:avLst/>
+          </a:prstGeom>
+          <a:noFill/>
+          <a:extLst>
+            <a:ext uri="{909E8E84-426E-40DD-AFC4-6F175D3DCCD1}">
+              <a14:hiddenFill xmlns:a14="http://schemas.microsoft.com/office/drawing/2010/main">
+                <a:solidFill>
+                  <a:srgbClr val="FFFFFF"/>
+                </a:solidFill>
+              </a14:hiddenFill>
+            </a:ext>
+          </a:extLst>
+        </p:spPr>
+      </p:pic>
+      <p:pic>
+        <p:nvPicPr>
+          <p:cNvPr id="1048" name="Picture 24" descr="Download Redis Logo in SVG Vector or PNG File Format - Logo.wine">
+            <a:extLst>
+              <a:ext uri="{FF2B5EF4-FFF2-40B4-BE49-F238E27FC236}">
+                <a16:creationId xmlns:a16="http://schemas.microsoft.com/office/drawing/2014/main" id="{5F5C8E26-9508-8505-522F-15D0280F2B63}"/>
+              </a:ext>
+            </a:extLst>
+          </p:cNvPr>
+          <p:cNvPicPr>
+            <a:picLocks noChangeAspect="1" noChangeArrowheads="1"/>
+          </p:cNvPicPr>
+          <p:nvPr/>
+        </p:nvPicPr>
+        <p:blipFill>
+          <a:blip r:embed="rId10">
+            <a:extLst>
+              <a:ext uri="{28A0092B-C50C-407E-A947-70E740481C1C}">
+                <a14:useLocalDpi xmlns:a14="http://schemas.microsoft.com/office/drawing/2010/main" val="0"/>
+              </a:ext>
+            </a:extLst>
+          </a:blip>
+          <a:srcRect/>
+          <a:stretch>
+            <a:fillRect/>
+          </a:stretch>
+        </p:blipFill>
+        <p:spPr bwMode="auto">
+          <a:xfrm>
+            <a:off x="16436020" y="6017983"/>
+            <a:ext cx="1806739" cy="1204492"/>
+          </a:xfrm>
+          <a:prstGeom prst="rect">
+            <a:avLst/>
+          </a:prstGeom>
+          <a:noFill/>
+          <a:extLst>
+            <a:ext uri="{909E8E84-426E-40DD-AFC4-6F175D3DCCD1}">
+              <a14:hiddenFill xmlns:a14="http://schemas.microsoft.com/office/drawing/2010/main">
+                <a:solidFill>
+                  <a:srgbClr val="FFFFFF"/>
+                </a:solidFill>
+              </a14:hiddenFill>
+            </a:ext>
+          </a:extLst>
+        </p:spPr>
+      </p:pic>
+      <p:sp>
+        <p:nvSpPr>
+          <p:cNvPr id="1033" name="Rectangle: Rounded Corners 1032">
+            <a:extLst>
+              <a:ext uri="{FF2B5EF4-FFF2-40B4-BE49-F238E27FC236}">
+                <a16:creationId xmlns:a16="http://schemas.microsoft.com/office/drawing/2014/main" id="{4E8B1F58-FE44-8EA2-1A17-1C4187561BEC}"/>
               </a:ext>
             </a:extLst>
           </p:cNvPr>
@@ -4304,7 +4355,7 @@
         </p:nvSpPr>
         <p:spPr>
           <a:xfrm>
-            <a:off x="19269677" y="5727824"/>
+            <a:off x="16499056" y="5727824"/>
             <a:ext cx="1673368" cy="1711708"/>
           </a:xfrm>
           <a:prstGeom prst="roundRect">
@@ -4344,194 +4395,6 @@
       </p:sp>
       <p:sp>
         <p:nvSpPr>
-          <p:cNvPr id="1027" name="TextBox 1026">
-            <a:extLst>
-              <a:ext uri="{FF2B5EF4-FFF2-40B4-BE49-F238E27FC236}">
-                <a16:creationId xmlns:a16="http://schemas.microsoft.com/office/drawing/2014/main" id="{C5FC3BB0-00AD-5B41-AF06-3ECBE7E13864}"/>
-              </a:ext>
-            </a:extLst>
-          </p:cNvPr>
-          <p:cNvSpPr txBox="1"/>
-          <p:nvPr/>
-        </p:nvSpPr>
-        <p:spPr>
-          <a:xfrm>
-            <a:off x="19486671" y="5191750"/>
-            <a:ext cx="1239378" cy="369332"/>
-          </a:xfrm>
-          <a:prstGeom prst="rect">
-            <a:avLst/>
-          </a:prstGeom>
-          <a:noFill/>
-        </p:spPr>
-        <p:txBody>
-          <a:bodyPr wrap="none" rtlCol="0">
-            <a:spAutoFit/>
-          </a:bodyPr>
-          <a:lstStyle/>
-          <a:p>
-            <a:r>
-              <a:rPr lang="en-US" altLang="zh-CN" b="1" dirty="0">
-                <a:latin typeface="思源黑体" panose="020B0500000000000000" pitchFamily="34" charset="-122"/>
-                <a:ea typeface="思源黑体" panose="020B0500000000000000" pitchFamily="34" charset="-122"/>
-              </a:rPr>
-              <a:t>Database</a:t>
-            </a:r>
-            <a:endParaRPr lang="zh-CN" altLang="en-US" b="1" dirty="0">
-              <a:latin typeface="思源黑体" panose="020B0500000000000000" pitchFamily="34" charset="-122"/>
-              <a:ea typeface="思源黑体" panose="020B0500000000000000" pitchFamily="34" charset="-122"/>
-            </a:endParaRPr>
-          </a:p>
-        </p:txBody>
-      </p:sp>
-      <p:pic>
-        <p:nvPicPr>
-          <p:cNvPr id="1042" name="Picture 18" descr="MySQL logo and symbol, meaning, history, PNG">
-            <a:extLst>
-              <a:ext uri="{FF2B5EF4-FFF2-40B4-BE49-F238E27FC236}">
-                <a16:creationId xmlns:a16="http://schemas.microsoft.com/office/drawing/2014/main" id="{CE4FA58F-E9A6-A81B-899C-EF7D5B18AD27}"/>
-              </a:ext>
-            </a:extLst>
-          </p:cNvPr>
-          <p:cNvPicPr>
-            <a:picLocks noChangeAspect="1" noChangeArrowheads="1"/>
-          </p:cNvPicPr>
-          <p:nvPr/>
-        </p:nvPicPr>
-        <p:blipFill>
-          <a:blip r:embed="rId9">
-            <a:extLst>
-              <a:ext uri="{28A0092B-C50C-407E-A947-70E740481C1C}">
-                <a14:useLocalDpi xmlns:a14="http://schemas.microsoft.com/office/drawing/2010/main" val="0"/>
-              </a:ext>
-            </a:extLst>
-          </a:blip>
-          <a:srcRect/>
-          <a:stretch>
-            <a:fillRect/>
-          </a:stretch>
-        </p:blipFill>
-        <p:spPr bwMode="auto">
-          <a:xfrm>
-            <a:off x="19354678" y="6030172"/>
-            <a:ext cx="1503365" cy="939875"/>
-          </a:xfrm>
-          <a:prstGeom prst="rect">
-            <a:avLst/>
-          </a:prstGeom>
-          <a:noFill/>
-          <a:extLst>
-            <a:ext uri="{909E8E84-426E-40DD-AFC4-6F175D3DCCD1}">
-              <a14:hiddenFill xmlns:a14="http://schemas.microsoft.com/office/drawing/2010/main">
-                <a:solidFill>
-                  <a:srgbClr val="FFFFFF"/>
-                </a:solidFill>
-              </a14:hiddenFill>
-            </a:ext>
-          </a:extLst>
-        </p:spPr>
-      </p:pic>
-      <p:pic>
-        <p:nvPicPr>
-          <p:cNvPr id="1048" name="Picture 24" descr="Download Redis Logo in SVG Vector or PNG File Format - Logo.wine">
-            <a:extLst>
-              <a:ext uri="{FF2B5EF4-FFF2-40B4-BE49-F238E27FC236}">
-                <a16:creationId xmlns:a16="http://schemas.microsoft.com/office/drawing/2014/main" id="{5F5C8E26-9508-8505-522F-15D0280F2B63}"/>
-              </a:ext>
-            </a:extLst>
-          </p:cNvPr>
-          <p:cNvPicPr>
-            <a:picLocks noChangeAspect="1" noChangeArrowheads="1"/>
-          </p:cNvPicPr>
-          <p:nvPr/>
-        </p:nvPicPr>
-        <p:blipFill>
-          <a:blip r:embed="rId10">
-            <a:extLst>
-              <a:ext uri="{28A0092B-C50C-407E-A947-70E740481C1C}">
-                <a14:useLocalDpi xmlns:a14="http://schemas.microsoft.com/office/drawing/2010/main" val="0"/>
-              </a:ext>
-            </a:extLst>
-          </a:blip>
-          <a:srcRect/>
-          <a:stretch>
-            <a:fillRect/>
-          </a:stretch>
-        </p:blipFill>
-        <p:spPr bwMode="auto">
-          <a:xfrm>
-            <a:off x="16436020" y="6017983"/>
-            <a:ext cx="1806739" cy="1204492"/>
-          </a:xfrm>
-          <a:prstGeom prst="rect">
-            <a:avLst/>
-          </a:prstGeom>
-          <a:noFill/>
-          <a:extLst>
-            <a:ext uri="{909E8E84-426E-40DD-AFC4-6F175D3DCCD1}">
-              <a14:hiddenFill xmlns:a14="http://schemas.microsoft.com/office/drawing/2010/main">
-                <a:solidFill>
-                  <a:srgbClr val="FFFFFF"/>
-                </a:solidFill>
-              </a14:hiddenFill>
-            </a:ext>
-          </a:extLst>
-        </p:spPr>
-      </p:pic>
-      <p:sp>
-        <p:nvSpPr>
-          <p:cNvPr id="1033" name="Rectangle: Rounded Corners 1032">
-            <a:extLst>
-              <a:ext uri="{FF2B5EF4-FFF2-40B4-BE49-F238E27FC236}">
-                <a16:creationId xmlns:a16="http://schemas.microsoft.com/office/drawing/2014/main" id="{4E8B1F58-FE44-8EA2-1A17-1C4187561BEC}"/>
-              </a:ext>
-            </a:extLst>
-          </p:cNvPr>
-          <p:cNvSpPr/>
-          <p:nvPr/>
-        </p:nvSpPr>
-        <p:spPr>
-          <a:xfrm>
-            <a:off x="16499056" y="5727824"/>
-            <a:ext cx="1673368" cy="1711708"/>
-          </a:xfrm>
-          <a:prstGeom prst="roundRect">
-            <a:avLst/>
-          </a:prstGeom>
-          <a:noFill/>
-          <a:ln w="38100">
-            <a:solidFill>
-              <a:schemeClr val="tx1"/>
-            </a:solidFill>
-          </a:ln>
-        </p:spPr>
-        <p:style>
-          <a:lnRef idx="2">
-            <a:schemeClr val="accent1">
-              <a:shade val="50000"/>
-            </a:schemeClr>
-          </a:lnRef>
-          <a:fillRef idx="1">
-            <a:schemeClr val="accent1"/>
-          </a:fillRef>
-          <a:effectRef idx="0">
-            <a:schemeClr val="accent1"/>
-          </a:effectRef>
-          <a:fontRef idx="minor">
-            <a:schemeClr val="lt1"/>
-          </a:fontRef>
-        </p:style>
-        <p:txBody>
-          <a:bodyPr rtlCol="0" anchor="ctr"/>
-          <a:lstStyle/>
-          <a:p>
-            <a:pPr algn="ctr"/>
-            <a:endParaRPr lang="zh-CN" altLang="en-US"/>
-          </a:p>
-        </p:txBody>
-      </p:sp>
-      <p:sp>
-        <p:nvSpPr>
           <p:cNvPr id="1035" name="TextBox 1034">
             <a:extLst>
               <a:ext uri="{FF2B5EF4-FFF2-40B4-BE49-F238E27FC236}">
@@ -4676,50 +4539,6 @@
           <a:xfrm>
             <a:off x="15285715" y="4792593"/>
             <a:ext cx="1118397" cy="912331"/>
-          </a:xfrm>
-          <a:prstGeom prst="straightConnector1">
-            <a:avLst/>
-          </a:prstGeom>
-          <a:ln w="38100">
-            <a:solidFill>
-              <a:schemeClr val="tx1"/>
-            </a:solidFill>
-            <a:tailEnd type="triangle"/>
-          </a:ln>
-        </p:spPr>
-        <p:style>
-          <a:lnRef idx="1">
-            <a:schemeClr val="accent1"/>
-          </a:lnRef>
-          <a:fillRef idx="0">
-            <a:schemeClr val="accent1"/>
-          </a:fillRef>
-          <a:effectRef idx="0">
-            <a:schemeClr val="accent1"/>
-          </a:effectRef>
-          <a:fontRef idx="minor">
-            <a:schemeClr val="tx1"/>
-          </a:fontRef>
-        </p:style>
-      </p:cxnSp>
-      <p:cxnSp>
-        <p:nvCxnSpPr>
-          <p:cNvPr id="1051" name="Straight Arrow Connector 1050">
-            <a:extLst>
-              <a:ext uri="{FF2B5EF4-FFF2-40B4-BE49-F238E27FC236}">
-                <a16:creationId xmlns:a16="http://schemas.microsoft.com/office/drawing/2014/main" id="{B28859E2-4363-4B1A-EE1E-25A40E2C8CCA}"/>
-              </a:ext>
-            </a:extLst>
-          </p:cNvPr>
-          <p:cNvCxnSpPr>
-            <a:cxnSpLocks/>
-          </p:cNvCxnSpPr>
-          <p:nvPr/>
-        </p:nvCxnSpPr>
-        <p:spPr>
-          <a:xfrm flipV="1">
-            <a:off x="16297568" y="7471988"/>
-            <a:ext cx="3047604" cy="393908"/>
           </a:xfrm>
           <a:prstGeom prst="straightConnector1">
             <a:avLst/>
@@ -5490,7 +5309,7 @@
         </p:nvSpPr>
         <p:spPr>
           <a:xfrm>
-            <a:off x="10599516" y="6606553"/>
+            <a:off x="10493861" y="6581566"/>
             <a:ext cx="978345" cy="369332"/>
           </a:xfrm>
           <a:prstGeom prst="rect">
@@ -5518,6 +5337,228 @@
           </a:p>
         </p:txBody>
       </p:sp>
+      <p:sp>
+        <p:nvSpPr>
+          <p:cNvPr id="3" name="Rectangle: Rounded Corners 2">
+            <a:extLst>
+              <a:ext uri="{FF2B5EF4-FFF2-40B4-BE49-F238E27FC236}">
+                <a16:creationId xmlns:a16="http://schemas.microsoft.com/office/drawing/2014/main" id="{EAE2779A-0792-6960-1869-8E885739B3F5}"/>
+              </a:ext>
+            </a:extLst>
+          </p:cNvPr>
+          <p:cNvSpPr/>
+          <p:nvPr/>
+        </p:nvSpPr>
+        <p:spPr>
+          <a:xfrm>
+            <a:off x="13689964" y="5453504"/>
+            <a:ext cx="1124725" cy="548640"/>
+          </a:xfrm>
+          <a:prstGeom prst="roundRect">
+            <a:avLst>
+              <a:gd name="adj" fmla="val 0"/>
+            </a:avLst>
+          </a:prstGeom>
+          <a:ln w="38100">
+            <a:solidFill>
+              <a:schemeClr val="tx1"/>
+            </a:solidFill>
+          </a:ln>
+        </p:spPr>
+        <p:style>
+          <a:lnRef idx="2">
+            <a:schemeClr val="dk1"/>
+          </a:lnRef>
+          <a:fillRef idx="1">
+            <a:schemeClr val="lt1"/>
+          </a:fillRef>
+          <a:effectRef idx="0">
+            <a:schemeClr val="dk1"/>
+          </a:effectRef>
+          <a:fontRef idx="minor">
+            <a:schemeClr val="dk1"/>
+          </a:fontRef>
+        </p:style>
+        <p:txBody>
+          <a:bodyPr rtlCol="0" anchor="ctr"/>
+          <a:lstStyle/>
+          <a:p>
+            <a:pPr algn="ctr"/>
+            <a:r>
+              <a:rPr lang="en-US" altLang="zh-CN" dirty="0">
+                <a:latin typeface="思源黑体" panose="020B0500000000000000" pitchFamily="34" charset="-122"/>
+                <a:ea typeface="思源黑体" panose="020B0500000000000000" pitchFamily="34" charset="-122"/>
+              </a:rPr>
+              <a:t>Order</a:t>
+            </a:r>
+            <a:endParaRPr lang="zh-CN" altLang="en-US" dirty="0">
+              <a:latin typeface="思源黑体" panose="020B0500000000000000" pitchFamily="34" charset="-122"/>
+              <a:ea typeface="思源黑体" panose="020B0500000000000000" pitchFamily="34" charset="-122"/>
+            </a:endParaRPr>
+          </a:p>
+        </p:txBody>
+      </p:sp>
+      <p:sp>
+        <p:nvSpPr>
+          <p:cNvPr id="12" name="Rectangle: Rounded Corners 11">
+            <a:extLst>
+              <a:ext uri="{FF2B5EF4-FFF2-40B4-BE49-F238E27FC236}">
+                <a16:creationId xmlns:a16="http://schemas.microsoft.com/office/drawing/2014/main" id="{D06E9271-D85E-64ED-3E19-E9B281E747D4}"/>
+              </a:ext>
+            </a:extLst>
+          </p:cNvPr>
+          <p:cNvSpPr/>
+          <p:nvPr/>
+        </p:nvSpPr>
+        <p:spPr>
+          <a:xfrm>
+            <a:off x="14356740" y="7249650"/>
+            <a:ext cx="1118397" cy="454647"/>
+          </a:xfrm>
+          <a:prstGeom prst="roundRect">
+            <a:avLst/>
+          </a:prstGeom>
+          <a:noFill/>
+          <a:ln w="38100">
+            <a:solidFill>
+              <a:schemeClr val="tx1"/>
+            </a:solidFill>
+          </a:ln>
+        </p:spPr>
+        <p:style>
+          <a:lnRef idx="2">
+            <a:schemeClr val="accent1">
+              <a:shade val="50000"/>
+            </a:schemeClr>
+          </a:lnRef>
+          <a:fillRef idx="1">
+            <a:schemeClr val="accent1"/>
+          </a:fillRef>
+          <a:effectRef idx="0">
+            <a:schemeClr val="accent1"/>
+          </a:effectRef>
+          <a:fontRef idx="minor">
+            <a:schemeClr val="lt1"/>
+          </a:fontRef>
+        </p:style>
+        <p:txBody>
+          <a:bodyPr rtlCol="0" anchor="ctr"/>
+          <a:lstStyle/>
+          <a:p>
+            <a:pPr algn="ctr"/>
+            <a:r>
+              <a:rPr lang="en-US" altLang="zh-CN" dirty="0">
+                <a:solidFill>
+                  <a:schemeClr val="tx1"/>
+                </a:solidFill>
+                <a:latin typeface="思源黑体" panose="020B0500000000000000" pitchFamily="34" charset="-122"/>
+                <a:ea typeface="思源黑体" panose="020B0500000000000000" pitchFamily="34" charset="-122"/>
+              </a:rPr>
+              <a:t>Order</a:t>
+            </a:r>
+            <a:endParaRPr lang="zh-CN" altLang="en-US" dirty="0">
+              <a:solidFill>
+                <a:schemeClr val="tx1"/>
+              </a:solidFill>
+              <a:latin typeface="思源黑体" panose="020B0500000000000000" pitchFamily="34" charset="-122"/>
+              <a:ea typeface="思源黑体" panose="020B0500000000000000" pitchFamily="34" charset="-122"/>
+            </a:endParaRPr>
+          </a:p>
+        </p:txBody>
+      </p:sp>
+      <p:cxnSp>
+        <p:nvCxnSpPr>
+          <p:cNvPr id="18" name="Straight Arrow Connector 17">
+            <a:extLst>
+              <a:ext uri="{FF2B5EF4-FFF2-40B4-BE49-F238E27FC236}">
+                <a16:creationId xmlns:a16="http://schemas.microsoft.com/office/drawing/2014/main" id="{92AB8CF0-045D-990E-F561-4EC53383E841}"/>
+              </a:ext>
+            </a:extLst>
+          </p:cNvPr>
+          <p:cNvCxnSpPr>
+            <a:cxnSpLocks/>
+            <a:stCxn id="12" idx="0"/>
+            <a:endCxn id="3" idx="2"/>
+          </p:cNvCxnSpPr>
+          <p:nvPr/>
+        </p:nvCxnSpPr>
+        <p:spPr>
+          <a:xfrm flipH="1" flipV="1">
+            <a:off x="14252327" y="6002144"/>
+            <a:ext cx="663612" cy="1247506"/>
+          </a:xfrm>
+          <a:prstGeom prst="straightConnector1">
+            <a:avLst/>
+          </a:prstGeom>
+          <a:ln w="38100">
+            <a:solidFill>
+              <a:schemeClr val="tx1"/>
+            </a:solidFill>
+            <a:tailEnd type="triangle"/>
+          </a:ln>
+        </p:spPr>
+        <p:style>
+          <a:lnRef idx="1">
+            <a:schemeClr val="accent1"/>
+          </a:lnRef>
+          <a:fillRef idx="0">
+            <a:schemeClr val="accent1"/>
+          </a:fillRef>
+          <a:effectRef idx="0">
+            <a:schemeClr val="accent1"/>
+          </a:effectRef>
+          <a:fontRef idx="minor">
+            <a:schemeClr val="tx1"/>
+          </a:fontRef>
+        </p:style>
+      </p:cxnSp>
+      <p:pic>
+        <p:nvPicPr>
+          <p:cNvPr id="24" name="Picture 10" descr="gRPC">
+            <a:extLst>
+              <a:ext uri="{FF2B5EF4-FFF2-40B4-BE49-F238E27FC236}">
+                <a16:creationId xmlns:a16="http://schemas.microsoft.com/office/drawing/2014/main" id="{2EAAFAD0-0424-EC4E-1ABD-BCEF83D403ED}"/>
+              </a:ext>
+            </a:extLst>
+          </p:cNvPr>
+          <p:cNvPicPr>
+            <a:picLocks noChangeAspect="1" noChangeArrowheads="1"/>
+          </p:cNvPicPr>
+          <p:nvPr/>
+        </p:nvPicPr>
+        <p:blipFill>
+          <a:blip r:embed="rId6">
+            <a:extLst>
+              <a:ext uri="{28A0092B-C50C-407E-A947-70E740481C1C}">
+                <a14:useLocalDpi xmlns:a14="http://schemas.microsoft.com/office/drawing/2010/main" val="0"/>
+              </a:ext>
+            </a:extLst>
+          </a:blip>
+          <a:srcRect/>
+          <a:stretch>
+            <a:fillRect/>
+          </a:stretch>
+        </p:blipFill>
+        <p:spPr bwMode="auto">
+          <a:xfrm>
+            <a:off x="14791401" y="6477493"/>
+            <a:ext cx="587107" cy="587107"/>
+          </a:xfrm>
+          <a:prstGeom prst="rect">
+            <a:avLst/>
+          </a:prstGeom>
+          <a:noFill/>
+          <a:extLst>
+            <a:ext uri="{909E8E84-426E-40DD-AFC4-6F175D3DCCD1}">
+              <a14:hiddenFill xmlns:a14="http://schemas.microsoft.com/office/drawing/2010/main">
+                <a:solidFill>
+                  <a:srgbClr val="FFFFFF"/>
+                </a:solidFill>
+              </a14:hiddenFill>
+            </a:ext>
+          </a:extLst>
+        </p:spPr>
+      </p:pic>
     </p:spTree>
     <p:extLst>
       <p:ext uri="{BB962C8B-B14F-4D97-AF65-F5344CB8AC3E}">

--- a/assets/diagram.pptx
+++ b/assets/diagram.pptx
@@ -243,7 +243,7 @@
           <a:p>
             <a:fld id="{A368801B-2AC8-49CD-AC08-6EDE1542D3A9}" type="datetimeFigureOut">
               <a:rPr lang="zh-CN" altLang="en-US" smtClean="0"/>
-              <a:t>2022/12/11</a:t>
+              <a:t>2022/12/16</a:t>
             </a:fld>
             <a:endParaRPr lang="zh-CN" altLang="en-US"/>
           </a:p>
@@ -413,7 +413,7 @@
           <a:p>
             <a:fld id="{A368801B-2AC8-49CD-AC08-6EDE1542D3A9}" type="datetimeFigureOut">
               <a:rPr lang="zh-CN" altLang="en-US" smtClean="0"/>
-              <a:t>2022/12/11</a:t>
+              <a:t>2022/12/16</a:t>
             </a:fld>
             <a:endParaRPr lang="zh-CN" altLang="en-US"/>
           </a:p>
@@ -593,7 +593,7 @@
           <a:p>
             <a:fld id="{A368801B-2AC8-49CD-AC08-6EDE1542D3A9}" type="datetimeFigureOut">
               <a:rPr lang="zh-CN" altLang="en-US" smtClean="0"/>
-              <a:t>2022/12/11</a:t>
+              <a:t>2022/12/16</a:t>
             </a:fld>
             <a:endParaRPr lang="zh-CN" altLang="en-US"/>
           </a:p>
@@ -763,7 +763,7 @@
           <a:p>
             <a:fld id="{A368801B-2AC8-49CD-AC08-6EDE1542D3A9}" type="datetimeFigureOut">
               <a:rPr lang="zh-CN" altLang="en-US" smtClean="0"/>
-              <a:t>2022/12/11</a:t>
+              <a:t>2022/12/16</a:t>
             </a:fld>
             <a:endParaRPr lang="zh-CN" altLang="en-US"/>
           </a:p>
@@ -1009,7 +1009,7 @@
           <a:p>
             <a:fld id="{A368801B-2AC8-49CD-AC08-6EDE1542D3A9}" type="datetimeFigureOut">
               <a:rPr lang="zh-CN" altLang="en-US" smtClean="0"/>
-              <a:t>2022/12/11</a:t>
+              <a:t>2022/12/16</a:t>
             </a:fld>
             <a:endParaRPr lang="zh-CN" altLang="en-US"/>
           </a:p>
@@ -1241,7 +1241,7 @@
           <a:p>
             <a:fld id="{A368801B-2AC8-49CD-AC08-6EDE1542D3A9}" type="datetimeFigureOut">
               <a:rPr lang="zh-CN" altLang="en-US" smtClean="0"/>
-              <a:t>2022/12/11</a:t>
+              <a:t>2022/12/16</a:t>
             </a:fld>
             <a:endParaRPr lang="zh-CN" altLang="en-US"/>
           </a:p>
@@ -1608,7 +1608,7 @@
           <a:p>
             <a:fld id="{A368801B-2AC8-49CD-AC08-6EDE1542D3A9}" type="datetimeFigureOut">
               <a:rPr lang="zh-CN" altLang="en-US" smtClean="0"/>
-              <a:t>2022/12/11</a:t>
+              <a:t>2022/12/16</a:t>
             </a:fld>
             <a:endParaRPr lang="zh-CN" altLang="en-US"/>
           </a:p>
@@ -1726,7 +1726,7 @@
           <a:p>
             <a:fld id="{A368801B-2AC8-49CD-AC08-6EDE1542D3A9}" type="datetimeFigureOut">
               <a:rPr lang="zh-CN" altLang="en-US" smtClean="0"/>
-              <a:t>2022/12/11</a:t>
+              <a:t>2022/12/16</a:t>
             </a:fld>
             <a:endParaRPr lang="zh-CN" altLang="en-US"/>
           </a:p>
@@ -1821,7 +1821,7 @@
           <a:p>
             <a:fld id="{A368801B-2AC8-49CD-AC08-6EDE1542D3A9}" type="datetimeFigureOut">
               <a:rPr lang="zh-CN" altLang="en-US" smtClean="0"/>
-              <a:t>2022/12/11</a:t>
+              <a:t>2022/12/16</a:t>
             </a:fld>
             <a:endParaRPr lang="zh-CN" altLang="en-US"/>
           </a:p>
@@ -2098,7 +2098,7 @@
           <a:p>
             <a:fld id="{A368801B-2AC8-49CD-AC08-6EDE1542D3A9}" type="datetimeFigureOut">
               <a:rPr lang="zh-CN" altLang="en-US" smtClean="0"/>
-              <a:t>2022/12/11</a:t>
+              <a:t>2022/12/16</a:t>
             </a:fld>
             <a:endParaRPr lang="zh-CN" altLang="en-US"/>
           </a:p>
@@ -2355,7 +2355,7 @@
           <a:p>
             <a:fld id="{A368801B-2AC8-49CD-AC08-6EDE1542D3A9}" type="datetimeFigureOut">
               <a:rPr lang="zh-CN" altLang="en-US" smtClean="0"/>
-              <a:t>2022/12/11</a:t>
+              <a:t>2022/12/16</a:t>
             </a:fld>
             <a:endParaRPr lang="zh-CN" altLang="en-US"/>
           </a:p>
@@ -2568,7 +2568,7 @@
           <a:p>
             <a:fld id="{A368801B-2AC8-49CD-AC08-6EDE1542D3A9}" type="datetimeFigureOut">
               <a:rPr lang="zh-CN" altLang="en-US" smtClean="0"/>
-              <a:t>2022/12/11</a:t>
+              <a:t>2022/12/16</a:t>
             </a:fld>
             <a:endParaRPr lang="zh-CN" altLang="en-US"/>
           </a:p>
@@ -3742,7 +3742,7 @@
         </p:nvSpPr>
         <p:spPr>
           <a:xfrm>
-            <a:off x="13388003" y="2027007"/>
+            <a:off x="13388003" y="1943187"/>
             <a:ext cx="1735155" cy="369332"/>
           </a:xfrm>
           <a:prstGeom prst="rect">
@@ -4114,8 +4114,8 @@
         </p:nvSpPr>
         <p:spPr>
           <a:xfrm>
-            <a:off x="13405969" y="2481485"/>
-            <a:ext cx="1690497" cy="3797396"/>
+            <a:off x="13405969" y="2406590"/>
+            <a:ext cx="1690497" cy="3971350"/>
           </a:xfrm>
           <a:prstGeom prst="rect">
             <a:avLst/>
@@ -5351,7 +5351,7 @@
         </p:nvSpPr>
         <p:spPr>
           <a:xfrm>
-            <a:off x="13689964" y="5453504"/>
+            <a:off x="13689964" y="5400915"/>
             <a:ext cx="1124725" cy="548640"/>
           </a:xfrm>
           <a:prstGeom prst="roundRect">
@@ -5478,14 +5478,13 @@
           <p:cNvCxnSpPr>
             <a:cxnSpLocks/>
             <a:stCxn id="12" idx="0"/>
-            <a:endCxn id="3" idx="2"/>
           </p:cNvCxnSpPr>
           <p:nvPr/>
         </p:nvCxnSpPr>
         <p:spPr>
           <a:xfrm flipH="1" flipV="1">
-            <a:off x="14252327" y="6002144"/>
-            <a:ext cx="663612" cy="1247506"/>
+            <a:off x="14420216" y="6082830"/>
+            <a:ext cx="495723" cy="1166820"/>
           </a:xfrm>
           <a:prstGeom prst="straightConnector1">
             <a:avLst/>

--- a/assets/diagram.pptx
+++ b/assets/diagram.pptx
@@ -243,7 +243,7 @@
           <a:p>
             <a:fld id="{A368801B-2AC8-49CD-AC08-6EDE1542D3A9}" type="datetimeFigureOut">
               <a:rPr lang="zh-CN" altLang="en-US" smtClean="0"/>
-              <a:t>2022/12/16</a:t>
+              <a:t>2022/12/18</a:t>
             </a:fld>
             <a:endParaRPr lang="zh-CN" altLang="en-US"/>
           </a:p>
@@ -413,7 +413,7 @@
           <a:p>
             <a:fld id="{A368801B-2AC8-49CD-AC08-6EDE1542D3A9}" type="datetimeFigureOut">
               <a:rPr lang="zh-CN" altLang="en-US" smtClean="0"/>
-              <a:t>2022/12/16</a:t>
+              <a:t>2022/12/18</a:t>
             </a:fld>
             <a:endParaRPr lang="zh-CN" altLang="en-US"/>
           </a:p>
@@ -593,7 +593,7 @@
           <a:p>
             <a:fld id="{A368801B-2AC8-49CD-AC08-6EDE1542D3A9}" type="datetimeFigureOut">
               <a:rPr lang="zh-CN" altLang="en-US" smtClean="0"/>
-              <a:t>2022/12/16</a:t>
+              <a:t>2022/12/18</a:t>
             </a:fld>
             <a:endParaRPr lang="zh-CN" altLang="en-US"/>
           </a:p>
@@ -763,7 +763,7 @@
           <a:p>
             <a:fld id="{A368801B-2AC8-49CD-AC08-6EDE1542D3A9}" type="datetimeFigureOut">
               <a:rPr lang="zh-CN" altLang="en-US" smtClean="0"/>
-              <a:t>2022/12/16</a:t>
+              <a:t>2022/12/18</a:t>
             </a:fld>
             <a:endParaRPr lang="zh-CN" altLang="en-US"/>
           </a:p>
@@ -1009,7 +1009,7 @@
           <a:p>
             <a:fld id="{A368801B-2AC8-49CD-AC08-6EDE1542D3A9}" type="datetimeFigureOut">
               <a:rPr lang="zh-CN" altLang="en-US" smtClean="0"/>
-              <a:t>2022/12/16</a:t>
+              <a:t>2022/12/18</a:t>
             </a:fld>
             <a:endParaRPr lang="zh-CN" altLang="en-US"/>
           </a:p>
@@ -1241,7 +1241,7 @@
           <a:p>
             <a:fld id="{A368801B-2AC8-49CD-AC08-6EDE1542D3A9}" type="datetimeFigureOut">
               <a:rPr lang="zh-CN" altLang="en-US" smtClean="0"/>
-              <a:t>2022/12/16</a:t>
+              <a:t>2022/12/18</a:t>
             </a:fld>
             <a:endParaRPr lang="zh-CN" altLang="en-US"/>
           </a:p>
@@ -1608,7 +1608,7 @@
           <a:p>
             <a:fld id="{A368801B-2AC8-49CD-AC08-6EDE1542D3A9}" type="datetimeFigureOut">
               <a:rPr lang="zh-CN" altLang="en-US" smtClean="0"/>
-              <a:t>2022/12/16</a:t>
+              <a:t>2022/12/18</a:t>
             </a:fld>
             <a:endParaRPr lang="zh-CN" altLang="en-US"/>
           </a:p>
@@ -1726,7 +1726,7 @@
           <a:p>
             <a:fld id="{A368801B-2AC8-49CD-AC08-6EDE1542D3A9}" type="datetimeFigureOut">
               <a:rPr lang="zh-CN" altLang="en-US" smtClean="0"/>
-              <a:t>2022/12/16</a:t>
+              <a:t>2022/12/18</a:t>
             </a:fld>
             <a:endParaRPr lang="zh-CN" altLang="en-US"/>
           </a:p>
@@ -1821,7 +1821,7 @@
           <a:p>
             <a:fld id="{A368801B-2AC8-49CD-AC08-6EDE1542D3A9}" type="datetimeFigureOut">
               <a:rPr lang="zh-CN" altLang="en-US" smtClean="0"/>
-              <a:t>2022/12/16</a:t>
+              <a:t>2022/12/18</a:t>
             </a:fld>
             <a:endParaRPr lang="zh-CN" altLang="en-US"/>
           </a:p>
@@ -2098,7 +2098,7 @@
           <a:p>
             <a:fld id="{A368801B-2AC8-49CD-AC08-6EDE1542D3A9}" type="datetimeFigureOut">
               <a:rPr lang="zh-CN" altLang="en-US" smtClean="0"/>
-              <a:t>2022/12/16</a:t>
+              <a:t>2022/12/18</a:t>
             </a:fld>
             <a:endParaRPr lang="zh-CN" altLang="en-US"/>
           </a:p>
@@ -2355,7 +2355,7 @@
           <a:p>
             <a:fld id="{A368801B-2AC8-49CD-AC08-6EDE1542D3A9}" type="datetimeFigureOut">
               <a:rPr lang="zh-CN" altLang="en-US" smtClean="0"/>
-              <a:t>2022/12/16</a:t>
+              <a:t>2022/12/18</a:t>
             </a:fld>
             <a:endParaRPr lang="zh-CN" altLang="en-US"/>
           </a:p>
@@ -2568,7 +2568,7 @@
           <a:p>
             <a:fld id="{A368801B-2AC8-49CD-AC08-6EDE1542D3A9}" type="datetimeFigureOut">
               <a:rPr lang="zh-CN" altLang="en-US" smtClean="0"/>
-              <a:t>2022/12/16</a:t>
+              <a:t>2022/12/18</a:t>
             </a:fld>
             <a:endParaRPr lang="zh-CN" altLang="en-US"/>
           </a:p>
@@ -3517,8 +3517,8 @@
         </p:blipFill>
         <p:spPr bwMode="auto">
           <a:xfrm>
-            <a:off x="10812380" y="4480160"/>
-            <a:ext cx="1275624" cy="1275624"/>
+            <a:off x="10491193" y="5315770"/>
+            <a:ext cx="920170" cy="920170"/>
           </a:xfrm>
           <a:prstGeom prst="rect">
             <a:avLst/>
@@ -3598,8 +3598,8 @@
         </p:nvCxnSpPr>
         <p:spPr>
           <a:xfrm flipV="1">
-            <a:off x="10365938" y="4792593"/>
-            <a:ext cx="2824392" cy="1501527"/>
+            <a:off x="10365938" y="5924788"/>
+            <a:ext cx="1562456" cy="369332"/>
           </a:xfrm>
           <a:prstGeom prst="straightConnector1">
             <a:avLst/>
@@ -3730,48 +3730,6 @@
       </p:cxnSp>
       <p:sp>
         <p:nvSpPr>
-          <p:cNvPr id="42" name="TextBox 41">
-            <a:extLst>
-              <a:ext uri="{FF2B5EF4-FFF2-40B4-BE49-F238E27FC236}">
-                <a16:creationId xmlns:a16="http://schemas.microsoft.com/office/drawing/2014/main" id="{BA6B3238-B560-8977-BF46-35D61EF481FA}"/>
-              </a:ext>
-            </a:extLst>
-          </p:cNvPr>
-          <p:cNvSpPr txBox="1"/>
-          <p:nvPr/>
-        </p:nvSpPr>
-        <p:spPr>
-          <a:xfrm>
-            <a:off x="13388003" y="1943187"/>
-            <a:ext cx="1735155" cy="369332"/>
-          </a:xfrm>
-          <a:prstGeom prst="rect">
-            <a:avLst/>
-          </a:prstGeom>
-          <a:noFill/>
-        </p:spPr>
-        <p:txBody>
-          <a:bodyPr wrap="none" rtlCol="0">
-            <a:spAutoFit/>
-          </a:bodyPr>
-          <a:lstStyle/>
-          <a:p>
-            <a:r>
-              <a:rPr lang="en-US" altLang="zh-CN" b="1" dirty="0">
-                <a:latin typeface="思源黑体" panose="020B0500000000000000" pitchFamily="34" charset="-122"/>
-                <a:ea typeface="思源黑体" panose="020B0500000000000000" pitchFamily="34" charset="-122"/>
-              </a:rPr>
-              <a:t>Microservices</a:t>
-            </a:r>
-            <a:endParaRPr lang="zh-CN" altLang="en-US" b="1" dirty="0">
-              <a:latin typeface="思源黑体" panose="020B0500000000000000" pitchFamily="34" charset="-122"/>
-              <a:ea typeface="思源黑体" panose="020B0500000000000000" pitchFamily="34" charset="-122"/>
-            </a:endParaRPr>
-          </a:p>
-        </p:txBody>
-      </p:sp>
-      <p:sp>
-        <p:nvSpPr>
           <p:cNvPr id="44" name="TextBox 43">
             <a:extLst>
               <a:ext uri="{FF2B5EF4-FFF2-40B4-BE49-F238E27FC236}">
@@ -3858,10 +3816,10 @@
       </p:cxnSp>
       <p:sp>
         <p:nvSpPr>
-          <p:cNvPr id="60" name="Rectangle: Rounded Corners 59">
+          <p:cNvPr id="1025" name="Rectangle: Rounded Corners 1024">
             <a:extLst>
               <a:ext uri="{FF2B5EF4-FFF2-40B4-BE49-F238E27FC236}">
-                <a16:creationId xmlns:a16="http://schemas.microsoft.com/office/drawing/2014/main" id="{49DDF45B-5001-BD6E-5684-2A06A26C39F0}"/>
+                <a16:creationId xmlns:a16="http://schemas.microsoft.com/office/drawing/2014/main" id="{C8B6156D-3939-3C86-0971-DD0FF4E99331}"/>
               </a:ext>
             </a:extLst>
           </p:cNvPr>
@@ -3870,254 +3828,10 @@
         </p:nvSpPr>
         <p:spPr>
           <a:xfrm>
-            <a:off x="13693536" y="2753124"/>
-            <a:ext cx="1124725" cy="548640"/>
+            <a:off x="19269677" y="5727824"/>
+            <a:ext cx="1673368" cy="1711708"/>
           </a:xfrm>
           <a:prstGeom prst="roundRect">
-            <a:avLst>
-              <a:gd name="adj" fmla="val 0"/>
-            </a:avLst>
-          </a:prstGeom>
-          <a:ln w="38100">
-            <a:solidFill>
-              <a:schemeClr val="tx1"/>
-            </a:solidFill>
-          </a:ln>
-        </p:spPr>
-        <p:style>
-          <a:lnRef idx="2">
-            <a:schemeClr val="dk1"/>
-          </a:lnRef>
-          <a:fillRef idx="1">
-            <a:schemeClr val="lt1"/>
-          </a:fillRef>
-          <a:effectRef idx="0">
-            <a:schemeClr val="dk1"/>
-          </a:effectRef>
-          <a:fontRef idx="minor">
-            <a:schemeClr val="dk1"/>
-          </a:fontRef>
-        </p:style>
-        <p:txBody>
-          <a:bodyPr rtlCol="0" anchor="ctr"/>
-          <a:lstStyle/>
-          <a:p>
-            <a:pPr algn="ctr"/>
-            <a:r>
-              <a:rPr lang="en-US" altLang="zh-CN" dirty="0">
-                <a:latin typeface="思源黑体" panose="020B0500000000000000" pitchFamily="34" charset="-122"/>
-                <a:ea typeface="思源黑体" panose="020B0500000000000000" pitchFamily="34" charset="-122"/>
-              </a:rPr>
-              <a:t>Dorm</a:t>
-            </a:r>
-            <a:endParaRPr lang="zh-CN" altLang="en-US" dirty="0">
-              <a:latin typeface="思源黑体" panose="020B0500000000000000" pitchFamily="34" charset="-122"/>
-              <a:ea typeface="思源黑体" panose="020B0500000000000000" pitchFamily="34" charset="-122"/>
-            </a:endParaRPr>
-          </a:p>
-        </p:txBody>
-      </p:sp>
-      <p:sp>
-        <p:nvSpPr>
-          <p:cNvPr id="61" name="Rectangle: Rounded Corners 60">
-            <a:extLst>
-              <a:ext uri="{FF2B5EF4-FFF2-40B4-BE49-F238E27FC236}">
-                <a16:creationId xmlns:a16="http://schemas.microsoft.com/office/drawing/2014/main" id="{3A49AA30-4B8A-2A9A-424A-C6DD88A462EC}"/>
-              </a:ext>
-            </a:extLst>
-          </p:cNvPr>
-          <p:cNvSpPr/>
-          <p:nvPr/>
-        </p:nvSpPr>
-        <p:spPr>
-          <a:xfrm>
-            <a:off x="13693535" y="3411768"/>
-            <a:ext cx="1124725" cy="548640"/>
-          </a:xfrm>
-          <a:prstGeom prst="roundRect">
-            <a:avLst>
-              <a:gd name="adj" fmla="val 0"/>
-            </a:avLst>
-          </a:prstGeom>
-          <a:ln w="38100">
-            <a:solidFill>
-              <a:schemeClr val="tx1"/>
-            </a:solidFill>
-          </a:ln>
-        </p:spPr>
-        <p:style>
-          <a:lnRef idx="2">
-            <a:schemeClr val="dk1"/>
-          </a:lnRef>
-          <a:fillRef idx="1">
-            <a:schemeClr val="lt1"/>
-          </a:fillRef>
-          <a:effectRef idx="0">
-            <a:schemeClr val="dk1"/>
-          </a:effectRef>
-          <a:fontRef idx="minor">
-            <a:schemeClr val="dk1"/>
-          </a:fontRef>
-        </p:style>
-        <p:txBody>
-          <a:bodyPr rtlCol="0" anchor="ctr"/>
-          <a:lstStyle/>
-          <a:p>
-            <a:pPr algn="ctr"/>
-            <a:r>
-              <a:rPr lang="en-US" altLang="zh-CN" dirty="0">
-                <a:latin typeface="思源黑体" panose="020B0500000000000000" pitchFamily="34" charset="-122"/>
-                <a:ea typeface="思源黑体" panose="020B0500000000000000" pitchFamily="34" charset="-122"/>
-              </a:rPr>
-              <a:t>Team</a:t>
-            </a:r>
-            <a:endParaRPr lang="zh-CN" altLang="en-US" dirty="0">
-              <a:latin typeface="思源黑体" panose="020B0500000000000000" pitchFamily="34" charset="-122"/>
-              <a:ea typeface="思源黑体" panose="020B0500000000000000" pitchFamily="34" charset="-122"/>
-            </a:endParaRPr>
-          </a:p>
-        </p:txBody>
-      </p:sp>
-      <p:sp>
-        <p:nvSpPr>
-          <p:cNvPr id="62" name="Rectangle: Rounded Corners 61">
-            <a:extLst>
-              <a:ext uri="{FF2B5EF4-FFF2-40B4-BE49-F238E27FC236}">
-                <a16:creationId xmlns:a16="http://schemas.microsoft.com/office/drawing/2014/main" id="{20B3199C-B77A-441E-50D0-EE56BD507226}"/>
-              </a:ext>
-            </a:extLst>
-          </p:cNvPr>
-          <p:cNvSpPr/>
-          <p:nvPr/>
-        </p:nvSpPr>
-        <p:spPr>
-          <a:xfrm>
-            <a:off x="13693536" y="4735850"/>
-            <a:ext cx="1124725" cy="548640"/>
-          </a:xfrm>
-          <a:prstGeom prst="roundRect">
-            <a:avLst>
-              <a:gd name="adj" fmla="val 0"/>
-            </a:avLst>
-          </a:prstGeom>
-          <a:ln w="38100">
-            <a:solidFill>
-              <a:schemeClr val="tx1"/>
-            </a:solidFill>
-          </a:ln>
-        </p:spPr>
-        <p:style>
-          <a:lnRef idx="2">
-            <a:schemeClr val="dk1"/>
-          </a:lnRef>
-          <a:fillRef idx="1">
-            <a:schemeClr val="lt1"/>
-          </a:fillRef>
-          <a:effectRef idx="0">
-            <a:schemeClr val="dk1"/>
-          </a:effectRef>
-          <a:fontRef idx="minor">
-            <a:schemeClr val="dk1"/>
-          </a:fontRef>
-        </p:style>
-        <p:txBody>
-          <a:bodyPr rtlCol="0" anchor="ctr"/>
-          <a:lstStyle/>
-          <a:p>
-            <a:pPr algn="ctr"/>
-            <a:r>
-              <a:rPr lang="en-US" altLang="zh-CN" dirty="0">
-                <a:latin typeface="思源黑体" panose="020B0500000000000000" pitchFamily="34" charset="-122"/>
-                <a:ea typeface="思源黑体" panose="020B0500000000000000" pitchFamily="34" charset="-122"/>
-              </a:rPr>
-              <a:t>User</a:t>
-            </a:r>
-            <a:endParaRPr lang="zh-CN" altLang="en-US" dirty="0">
-              <a:latin typeface="思源黑体" panose="020B0500000000000000" pitchFamily="34" charset="-122"/>
-              <a:ea typeface="思源黑体" panose="020B0500000000000000" pitchFamily="34" charset="-122"/>
-            </a:endParaRPr>
-          </a:p>
-        </p:txBody>
-      </p:sp>
-      <p:sp>
-        <p:nvSpPr>
-          <p:cNvPr id="63" name="Rectangle: Rounded Corners 62">
-            <a:extLst>
-              <a:ext uri="{FF2B5EF4-FFF2-40B4-BE49-F238E27FC236}">
-                <a16:creationId xmlns:a16="http://schemas.microsoft.com/office/drawing/2014/main" id="{33133EED-6D2F-C0F4-4C60-2DF6B9E7E386}"/>
-              </a:ext>
-            </a:extLst>
-          </p:cNvPr>
-          <p:cNvSpPr/>
-          <p:nvPr/>
-        </p:nvSpPr>
-        <p:spPr>
-          <a:xfrm>
-            <a:off x="13693536" y="4074941"/>
-            <a:ext cx="1124725" cy="548640"/>
-          </a:xfrm>
-          <a:prstGeom prst="roundRect">
-            <a:avLst>
-              <a:gd name="adj" fmla="val 0"/>
-            </a:avLst>
-          </a:prstGeom>
-          <a:ln w="38100">
-            <a:solidFill>
-              <a:schemeClr val="tx1"/>
-            </a:solidFill>
-          </a:ln>
-        </p:spPr>
-        <p:style>
-          <a:lnRef idx="2">
-            <a:schemeClr val="dk1"/>
-          </a:lnRef>
-          <a:fillRef idx="1">
-            <a:schemeClr val="lt1"/>
-          </a:fillRef>
-          <a:effectRef idx="0">
-            <a:schemeClr val="dk1"/>
-          </a:effectRef>
-          <a:fontRef idx="minor">
-            <a:schemeClr val="dk1"/>
-          </a:fontRef>
-        </p:style>
-        <p:txBody>
-          <a:bodyPr rtlCol="0" anchor="ctr"/>
-          <a:lstStyle/>
-          <a:p>
-            <a:pPr algn="ctr"/>
-            <a:r>
-              <a:rPr lang="en-US" altLang="zh-CN" dirty="0">
-                <a:latin typeface="思源黑体" panose="020B0500000000000000" pitchFamily="34" charset="-122"/>
-                <a:ea typeface="思源黑体" panose="020B0500000000000000" pitchFamily="34" charset="-122"/>
-              </a:rPr>
-              <a:t>Token</a:t>
-            </a:r>
-            <a:endParaRPr lang="zh-CN" altLang="en-US" dirty="0">
-              <a:latin typeface="思源黑体" panose="020B0500000000000000" pitchFamily="34" charset="-122"/>
-              <a:ea typeface="思源黑体" panose="020B0500000000000000" pitchFamily="34" charset="-122"/>
-            </a:endParaRPr>
-          </a:p>
-        </p:txBody>
-      </p:sp>
-      <p:sp>
-        <p:nvSpPr>
-          <p:cNvPr id="1024" name="Rectangle 1023">
-            <a:extLst>
-              <a:ext uri="{FF2B5EF4-FFF2-40B4-BE49-F238E27FC236}">
-                <a16:creationId xmlns:a16="http://schemas.microsoft.com/office/drawing/2014/main" id="{406600A8-EE66-E469-B941-D115853678BA}"/>
-              </a:ext>
-            </a:extLst>
-          </p:cNvPr>
-          <p:cNvSpPr/>
-          <p:nvPr/>
-        </p:nvSpPr>
-        <p:spPr>
-          <a:xfrm>
-            <a:off x="13405969" y="2406590"/>
-            <a:ext cx="1690497" cy="3971350"/>
-          </a:xfrm>
-          <a:prstGeom prst="rect">
             <a:avLst/>
           </a:prstGeom>
           <a:noFill/>
@@ -4125,7 +3839,6 @@
             <a:solidFill>
               <a:schemeClr val="tx1"/>
             </a:solidFill>
-            <a:prstDash val="sysDash"/>
           </a:ln>
         </p:spPr>
         <p:style>
@@ -4155,10 +3868,146 @@
       </p:sp>
       <p:sp>
         <p:nvSpPr>
-          <p:cNvPr id="1025" name="Rectangle: Rounded Corners 1024">
+          <p:cNvPr id="1027" name="TextBox 1026">
             <a:extLst>
               <a:ext uri="{FF2B5EF4-FFF2-40B4-BE49-F238E27FC236}">
-                <a16:creationId xmlns:a16="http://schemas.microsoft.com/office/drawing/2014/main" id="{C8B6156D-3939-3C86-0971-DD0FF4E99331}"/>
+                <a16:creationId xmlns:a16="http://schemas.microsoft.com/office/drawing/2014/main" id="{C5FC3BB0-00AD-5B41-AF06-3ECBE7E13864}"/>
+              </a:ext>
+            </a:extLst>
+          </p:cNvPr>
+          <p:cNvSpPr txBox="1"/>
+          <p:nvPr/>
+        </p:nvSpPr>
+        <p:spPr>
+          <a:xfrm>
+            <a:off x="19486671" y="5191750"/>
+            <a:ext cx="1239378" cy="369332"/>
+          </a:xfrm>
+          <a:prstGeom prst="rect">
+            <a:avLst/>
+          </a:prstGeom>
+          <a:noFill/>
+        </p:spPr>
+        <p:txBody>
+          <a:bodyPr wrap="none" rtlCol="0">
+            <a:spAutoFit/>
+          </a:bodyPr>
+          <a:lstStyle/>
+          <a:p>
+            <a:r>
+              <a:rPr lang="en-US" altLang="zh-CN" b="1" dirty="0">
+                <a:latin typeface="思源黑体" panose="020B0500000000000000" pitchFamily="34" charset="-122"/>
+                <a:ea typeface="思源黑体" panose="020B0500000000000000" pitchFamily="34" charset="-122"/>
+              </a:rPr>
+              <a:t>Database</a:t>
+            </a:r>
+            <a:endParaRPr lang="zh-CN" altLang="en-US" b="1" dirty="0">
+              <a:latin typeface="思源黑体" panose="020B0500000000000000" pitchFamily="34" charset="-122"/>
+              <a:ea typeface="思源黑体" panose="020B0500000000000000" pitchFamily="34" charset="-122"/>
+            </a:endParaRPr>
+          </a:p>
+        </p:txBody>
+      </p:sp>
+      <p:pic>
+        <p:nvPicPr>
+          <p:cNvPr id="1042" name="Picture 18" descr="MySQL logo and symbol, meaning, history, PNG">
+            <a:extLst>
+              <a:ext uri="{FF2B5EF4-FFF2-40B4-BE49-F238E27FC236}">
+                <a16:creationId xmlns:a16="http://schemas.microsoft.com/office/drawing/2014/main" id="{CE4FA58F-E9A6-A81B-899C-EF7D5B18AD27}"/>
+              </a:ext>
+            </a:extLst>
+          </p:cNvPr>
+          <p:cNvPicPr>
+            <a:picLocks noChangeAspect="1" noChangeArrowheads="1"/>
+          </p:cNvPicPr>
+          <p:nvPr/>
+        </p:nvPicPr>
+        <p:blipFill>
+          <a:blip r:embed="rId9">
+            <a:extLst>
+              <a:ext uri="{28A0092B-C50C-407E-A947-70E740481C1C}">
+                <a14:useLocalDpi xmlns:a14="http://schemas.microsoft.com/office/drawing/2010/main" val="0"/>
+              </a:ext>
+            </a:extLst>
+          </a:blip>
+          <a:srcRect/>
+          <a:stretch>
+            <a:fillRect/>
+          </a:stretch>
+        </p:blipFill>
+        <p:spPr bwMode="auto">
+          <a:xfrm>
+            <a:off x="19354678" y="6030172"/>
+            <a:ext cx="1503365" cy="939875"/>
+          </a:xfrm>
+          <a:prstGeom prst="rect">
+            <a:avLst/>
+          </a:prstGeom>
+          <a:noFill/>
+          <a:extLst>
+            <a:ext uri="{909E8E84-426E-40DD-AFC4-6F175D3DCCD1}">
+              <a14:hiddenFill xmlns:a14="http://schemas.microsoft.com/office/drawing/2010/main">
+                <a:solidFill>
+                  <a:srgbClr val="FFFFFF"/>
+                </a:solidFill>
+              </a14:hiddenFill>
+            </a:ext>
+          </a:extLst>
+        </p:spPr>
+      </p:pic>
+      <p:pic>
+        <p:nvPicPr>
+          <p:cNvPr id="1048" name="Picture 24" descr="Download Redis Logo in SVG Vector or PNG File Format - Logo.wine">
+            <a:extLst>
+              <a:ext uri="{FF2B5EF4-FFF2-40B4-BE49-F238E27FC236}">
+                <a16:creationId xmlns:a16="http://schemas.microsoft.com/office/drawing/2014/main" id="{5F5C8E26-9508-8505-522F-15D0280F2B63}"/>
+              </a:ext>
+            </a:extLst>
+          </p:cNvPr>
+          <p:cNvPicPr>
+            <a:picLocks noChangeAspect="1" noChangeArrowheads="1"/>
+          </p:cNvPicPr>
+          <p:nvPr/>
+        </p:nvPicPr>
+        <p:blipFill>
+          <a:blip r:embed="rId10">
+            <a:extLst>
+              <a:ext uri="{28A0092B-C50C-407E-A947-70E740481C1C}">
+                <a14:useLocalDpi xmlns:a14="http://schemas.microsoft.com/office/drawing/2010/main" val="0"/>
+              </a:ext>
+            </a:extLst>
+          </a:blip>
+          <a:srcRect/>
+          <a:stretch>
+            <a:fillRect/>
+          </a:stretch>
+        </p:blipFill>
+        <p:spPr bwMode="auto">
+          <a:xfrm>
+            <a:off x="16436020" y="6017983"/>
+            <a:ext cx="1806739" cy="1204492"/>
+          </a:xfrm>
+          <a:prstGeom prst="rect">
+            <a:avLst/>
+          </a:prstGeom>
+          <a:noFill/>
+          <a:extLst>
+            <a:ext uri="{909E8E84-426E-40DD-AFC4-6F175D3DCCD1}">
+              <a14:hiddenFill xmlns:a14="http://schemas.microsoft.com/office/drawing/2010/main">
+                <a:solidFill>
+                  <a:srgbClr val="FFFFFF"/>
+                </a:solidFill>
+              </a14:hiddenFill>
+            </a:ext>
+          </a:extLst>
+        </p:spPr>
+      </p:pic>
+      <p:sp>
+        <p:nvSpPr>
+          <p:cNvPr id="1033" name="Rectangle: Rounded Corners 1032">
+            <a:extLst>
+              <a:ext uri="{FF2B5EF4-FFF2-40B4-BE49-F238E27FC236}">
+                <a16:creationId xmlns:a16="http://schemas.microsoft.com/office/drawing/2014/main" id="{4E8B1F58-FE44-8EA2-1A17-1C4187561BEC}"/>
               </a:ext>
             </a:extLst>
           </p:cNvPr>
@@ -4167,7 +4016,7 @@
         </p:nvSpPr>
         <p:spPr>
           <a:xfrm>
-            <a:off x="19269677" y="5727824"/>
+            <a:off x="16499056" y="5727824"/>
             <a:ext cx="1673368" cy="1711708"/>
           </a:xfrm>
           <a:prstGeom prst="roundRect">
@@ -4207,194 +4056,6 @@
       </p:sp>
       <p:sp>
         <p:nvSpPr>
-          <p:cNvPr id="1027" name="TextBox 1026">
-            <a:extLst>
-              <a:ext uri="{FF2B5EF4-FFF2-40B4-BE49-F238E27FC236}">
-                <a16:creationId xmlns:a16="http://schemas.microsoft.com/office/drawing/2014/main" id="{C5FC3BB0-00AD-5B41-AF06-3ECBE7E13864}"/>
-              </a:ext>
-            </a:extLst>
-          </p:cNvPr>
-          <p:cNvSpPr txBox="1"/>
-          <p:nvPr/>
-        </p:nvSpPr>
-        <p:spPr>
-          <a:xfrm>
-            <a:off x="19486671" y="5191750"/>
-            <a:ext cx="1239378" cy="369332"/>
-          </a:xfrm>
-          <a:prstGeom prst="rect">
-            <a:avLst/>
-          </a:prstGeom>
-          <a:noFill/>
-        </p:spPr>
-        <p:txBody>
-          <a:bodyPr wrap="none" rtlCol="0">
-            <a:spAutoFit/>
-          </a:bodyPr>
-          <a:lstStyle/>
-          <a:p>
-            <a:r>
-              <a:rPr lang="en-US" altLang="zh-CN" b="1" dirty="0">
-                <a:latin typeface="思源黑体" panose="020B0500000000000000" pitchFamily="34" charset="-122"/>
-                <a:ea typeface="思源黑体" panose="020B0500000000000000" pitchFamily="34" charset="-122"/>
-              </a:rPr>
-              <a:t>Database</a:t>
-            </a:r>
-            <a:endParaRPr lang="zh-CN" altLang="en-US" b="1" dirty="0">
-              <a:latin typeface="思源黑体" panose="020B0500000000000000" pitchFamily="34" charset="-122"/>
-              <a:ea typeface="思源黑体" panose="020B0500000000000000" pitchFamily="34" charset="-122"/>
-            </a:endParaRPr>
-          </a:p>
-        </p:txBody>
-      </p:sp>
-      <p:pic>
-        <p:nvPicPr>
-          <p:cNvPr id="1042" name="Picture 18" descr="MySQL logo and symbol, meaning, history, PNG">
-            <a:extLst>
-              <a:ext uri="{FF2B5EF4-FFF2-40B4-BE49-F238E27FC236}">
-                <a16:creationId xmlns:a16="http://schemas.microsoft.com/office/drawing/2014/main" id="{CE4FA58F-E9A6-A81B-899C-EF7D5B18AD27}"/>
-              </a:ext>
-            </a:extLst>
-          </p:cNvPr>
-          <p:cNvPicPr>
-            <a:picLocks noChangeAspect="1" noChangeArrowheads="1"/>
-          </p:cNvPicPr>
-          <p:nvPr/>
-        </p:nvPicPr>
-        <p:blipFill>
-          <a:blip r:embed="rId9">
-            <a:extLst>
-              <a:ext uri="{28A0092B-C50C-407E-A947-70E740481C1C}">
-                <a14:useLocalDpi xmlns:a14="http://schemas.microsoft.com/office/drawing/2010/main" val="0"/>
-              </a:ext>
-            </a:extLst>
-          </a:blip>
-          <a:srcRect/>
-          <a:stretch>
-            <a:fillRect/>
-          </a:stretch>
-        </p:blipFill>
-        <p:spPr bwMode="auto">
-          <a:xfrm>
-            <a:off x="19354678" y="6030172"/>
-            <a:ext cx="1503365" cy="939875"/>
-          </a:xfrm>
-          <a:prstGeom prst="rect">
-            <a:avLst/>
-          </a:prstGeom>
-          <a:noFill/>
-          <a:extLst>
-            <a:ext uri="{909E8E84-426E-40DD-AFC4-6F175D3DCCD1}">
-              <a14:hiddenFill xmlns:a14="http://schemas.microsoft.com/office/drawing/2010/main">
-                <a:solidFill>
-                  <a:srgbClr val="FFFFFF"/>
-                </a:solidFill>
-              </a14:hiddenFill>
-            </a:ext>
-          </a:extLst>
-        </p:spPr>
-      </p:pic>
-      <p:pic>
-        <p:nvPicPr>
-          <p:cNvPr id="1048" name="Picture 24" descr="Download Redis Logo in SVG Vector or PNG File Format - Logo.wine">
-            <a:extLst>
-              <a:ext uri="{FF2B5EF4-FFF2-40B4-BE49-F238E27FC236}">
-                <a16:creationId xmlns:a16="http://schemas.microsoft.com/office/drawing/2014/main" id="{5F5C8E26-9508-8505-522F-15D0280F2B63}"/>
-              </a:ext>
-            </a:extLst>
-          </p:cNvPr>
-          <p:cNvPicPr>
-            <a:picLocks noChangeAspect="1" noChangeArrowheads="1"/>
-          </p:cNvPicPr>
-          <p:nvPr/>
-        </p:nvPicPr>
-        <p:blipFill>
-          <a:blip r:embed="rId10">
-            <a:extLst>
-              <a:ext uri="{28A0092B-C50C-407E-A947-70E740481C1C}">
-                <a14:useLocalDpi xmlns:a14="http://schemas.microsoft.com/office/drawing/2010/main" val="0"/>
-              </a:ext>
-            </a:extLst>
-          </a:blip>
-          <a:srcRect/>
-          <a:stretch>
-            <a:fillRect/>
-          </a:stretch>
-        </p:blipFill>
-        <p:spPr bwMode="auto">
-          <a:xfrm>
-            <a:off x="16436020" y="6017983"/>
-            <a:ext cx="1806739" cy="1204492"/>
-          </a:xfrm>
-          <a:prstGeom prst="rect">
-            <a:avLst/>
-          </a:prstGeom>
-          <a:noFill/>
-          <a:extLst>
-            <a:ext uri="{909E8E84-426E-40DD-AFC4-6F175D3DCCD1}">
-              <a14:hiddenFill xmlns:a14="http://schemas.microsoft.com/office/drawing/2010/main">
-                <a:solidFill>
-                  <a:srgbClr val="FFFFFF"/>
-                </a:solidFill>
-              </a14:hiddenFill>
-            </a:ext>
-          </a:extLst>
-        </p:spPr>
-      </p:pic>
-      <p:sp>
-        <p:nvSpPr>
-          <p:cNvPr id="1033" name="Rectangle: Rounded Corners 1032">
-            <a:extLst>
-              <a:ext uri="{FF2B5EF4-FFF2-40B4-BE49-F238E27FC236}">
-                <a16:creationId xmlns:a16="http://schemas.microsoft.com/office/drawing/2014/main" id="{4E8B1F58-FE44-8EA2-1A17-1C4187561BEC}"/>
-              </a:ext>
-            </a:extLst>
-          </p:cNvPr>
-          <p:cNvSpPr/>
-          <p:nvPr/>
-        </p:nvSpPr>
-        <p:spPr>
-          <a:xfrm>
-            <a:off x="16499056" y="5727824"/>
-            <a:ext cx="1673368" cy="1711708"/>
-          </a:xfrm>
-          <a:prstGeom prst="roundRect">
-            <a:avLst/>
-          </a:prstGeom>
-          <a:noFill/>
-          <a:ln w="38100">
-            <a:solidFill>
-              <a:schemeClr val="tx1"/>
-            </a:solidFill>
-          </a:ln>
-        </p:spPr>
-        <p:style>
-          <a:lnRef idx="2">
-            <a:schemeClr val="accent1">
-              <a:shade val="50000"/>
-            </a:schemeClr>
-          </a:lnRef>
-          <a:fillRef idx="1">
-            <a:schemeClr val="accent1"/>
-          </a:fillRef>
-          <a:effectRef idx="0">
-            <a:schemeClr val="accent1"/>
-          </a:effectRef>
-          <a:fontRef idx="minor">
-            <a:schemeClr val="lt1"/>
-          </a:fontRef>
-        </p:style>
-        <p:txBody>
-          <a:bodyPr rtlCol="0" anchor="ctr"/>
-          <a:lstStyle/>
-          <a:p>
-            <a:pPr algn="ctr"/>
-            <a:endParaRPr lang="zh-CN" altLang="en-US"/>
-          </a:p>
-        </p:txBody>
-      </p:sp>
-      <p:sp>
-        <p:nvSpPr>
           <p:cNvPr id="1035" name="TextBox 1034">
             <a:extLst>
               <a:ext uri="{FF2B5EF4-FFF2-40B4-BE49-F238E27FC236}">
@@ -4537,8 +4198,8 @@
         </p:nvCxnSpPr>
         <p:spPr>
           <a:xfrm>
-            <a:off x="15285715" y="4792593"/>
-            <a:ext cx="1118397" cy="912331"/>
+            <a:off x="15700330" y="4475333"/>
+            <a:ext cx="703782" cy="1229591"/>
           </a:xfrm>
           <a:prstGeom prst="straightConnector1">
             <a:avLst/>
@@ -5339,10 +5000,52 @@
       </p:sp>
       <p:sp>
         <p:nvSpPr>
-          <p:cNvPr id="3" name="Rectangle: Rounded Corners 2">
+          <p:cNvPr id="42" name="TextBox 41">
             <a:extLst>
               <a:ext uri="{FF2B5EF4-FFF2-40B4-BE49-F238E27FC236}">
-                <a16:creationId xmlns:a16="http://schemas.microsoft.com/office/drawing/2014/main" id="{EAE2779A-0792-6960-1869-8E885739B3F5}"/>
+                <a16:creationId xmlns:a16="http://schemas.microsoft.com/office/drawing/2014/main" id="{BA6B3238-B560-8977-BF46-35D61EF481FA}"/>
+              </a:ext>
+            </a:extLst>
+          </p:cNvPr>
+          <p:cNvSpPr txBox="1"/>
+          <p:nvPr/>
+        </p:nvSpPr>
+        <p:spPr>
+          <a:xfrm>
+            <a:off x="12436079" y="2560598"/>
+            <a:ext cx="1735155" cy="369332"/>
+          </a:xfrm>
+          <a:prstGeom prst="rect">
+            <a:avLst/>
+          </a:prstGeom>
+          <a:noFill/>
+        </p:spPr>
+        <p:txBody>
+          <a:bodyPr wrap="none" rtlCol="0">
+            <a:spAutoFit/>
+          </a:bodyPr>
+          <a:lstStyle/>
+          <a:p>
+            <a:r>
+              <a:rPr lang="en-US" altLang="zh-CN" b="1" dirty="0">
+                <a:latin typeface="思源黑体" panose="020B0500000000000000" pitchFamily="34" charset="-122"/>
+                <a:ea typeface="思源黑体" panose="020B0500000000000000" pitchFamily="34" charset="-122"/>
+              </a:rPr>
+              <a:t>Microservices</a:t>
+            </a:r>
+            <a:endParaRPr lang="zh-CN" altLang="en-US" b="1" dirty="0">
+              <a:latin typeface="思源黑体" panose="020B0500000000000000" pitchFamily="34" charset="-122"/>
+              <a:ea typeface="思源黑体" panose="020B0500000000000000" pitchFamily="34" charset="-122"/>
+            </a:endParaRPr>
+          </a:p>
+        </p:txBody>
+      </p:sp>
+      <p:sp>
+        <p:nvSpPr>
+          <p:cNvPr id="60" name="Rectangle: Rounded Corners 59">
+            <a:extLst>
+              <a:ext uri="{FF2B5EF4-FFF2-40B4-BE49-F238E27FC236}">
+                <a16:creationId xmlns:a16="http://schemas.microsoft.com/office/drawing/2014/main" id="{49DDF45B-5001-BD6E-5684-2A06A26C39F0}"/>
               </a:ext>
             </a:extLst>
           </p:cNvPr>
@@ -5351,7 +5054,304 @@
         </p:nvSpPr>
         <p:spPr>
           <a:xfrm>
-            <a:off x="13689964" y="5400915"/>
+            <a:off x="11394236" y="3262777"/>
+            <a:ext cx="1124725" cy="548640"/>
+          </a:xfrm>
+          <a:prstGeom prst="roundRect">
+            <a:avLst>
+              <a:gd name="adj" fmla="val 0"/>
+            </a:avLst>
+          </a:prstGeom>
+          <a:ln w="38100">
+            <a:solidFill>
+              <a:schemeClr val="tx1"/>
+            </a:solidFill>
+          </a:ln>
+        </p:spPr>
+        <p:style>
+          <a:lnRef idx="2">
+            <a:schemeClr val="dk1"/>
+          </a:lnRef>
+          <a:fillRef idx="1">
+            <a:schemeClr val="lt1"/>
+          </a:fillRef>
+          <a:effectRef idx="0">
+            <a:schemeClr val="dk1"/>
+          </a:effectRef>
+          <a:fontRef idx="minor">
+            <a:schemeClr val="dk1"/>
+          </a:fontRef>
+        </p:style>
+        <p:txBody>
+          <a:bodyPr rtlCol="0" anchor="ctr"/>
+          <a:lstStyle/>
+          <a:p>
+            <a:pPr algn="ctr"/>
+            <a:r>
+              <a:rPr lang="en-US" altLang="zh-CN" dirty="0">
+                <a:latin typeface="思源黑体" panose="020B0500000000000000" pitchFamily="34" charset="-122"/>
+                <a:ea typeface="思源黑体" panose="020B0500000000000000" pitchFamily="34" charset="-122"/>
+              </a:rPr>
+              <a:t>Dorm</a:t>
+            </a:r>
+            <a:endParaRPr lang="zh-CN" altLang="en-US" dirty="0">
+              <a:latin typeface="思源黑体" panose="020B0500000000000000" pitchFamily="34" charset="-122"/>
+              <a:ea typeface="思源黑体" panose="020B0500000000000000" pitchFamily="34" charset="-122"/>
+            </a:endParaRPr>
+          </a:p>
+        </p:txBody>
+      </p:sp>
+      <p:sp>
+        <p:nvSpPr>
+          <p:cNvPr id="61" name="Rectangle: Rounded Corners 60">
+            <a:extLst>
+              <a:ext uri="{FF2B5EF4-FFF2-40B4-BE49-F238E27FC236}">
+                <a16:creationId xmlns:a16="http://schemas.microsoft.com/office/drawing/2014/main" id="{3A49AA30-4B8A-2A9A-424A-C6DD88A462EC}"/>
+              </a:ext>
+            </a:extLst>
+          </p:cNvPr>
+          <p:cNvSpPr/>
+          <p:nvPr/>
+        </p:nvSpPr>
+        <p:spPr>
+          <a:xfrm>
+            <a:off x="12748423" y="3262777"/>
+            <a:ext cx="1124725" cy="548640"/>
+          </a:xfrm>
+          <a:prstGeom prst="roundRect">
+            <a:avLst>
+              <a:gd name="adj" fmla="val 0"/>
+            </a:avLst>
+          </a:prstGeom>
+          <a:ln w="38100">
+            <a:solidFill>
+              <a:schemeClr val="tx1"/>
+            </a:solidFill>
+          </a:ln>
+        </p:spPr>
+        <p:style>
+          <a:lnRef idx="2">
+            <a:schemeClr val="dk1"/>
+          </a:lnRef>
+          <a:fillRef idx="1">
+            <a:schemeClr val="lt1"/>
+          </a:fillRef>
+          <a:effectRef idx="0">
+            <a:schemeClr val="dk1"/>
+          </a:effectRef>
+          <a:fontRef idx="minor">
+            <a:schemeClr val="dk1"/>
+          </a:fontRef>
+        </p:style>
+        <p:txBody>
+          <a:bodyPr rtlCol="0" anchor="ctr"/>
+          <a:lstStyle/>
+          <a:p>
+            <a:pPr algn="ctr"/>
+            <a:r>
+              <a:rPr lang="en-US" altLang="zh-CN" dirty="0">
+                <a:latin typeface="思源黑体" panose="020B0500000000000000" pitchFamily="34" charset="-122"/>
+                <a:ea typeface="思源黑体" panose="020B0500000000000000" pitchFamily="34" charset="-122"/>
+              </a:rPr>
+              <a:t>Team</a:t>
+            </a:r>
+            <a:endParaRPr lang="zh-CN" altLang="en-US" dirty="0">
+              <a:latin typeface="思源黑体" panose="020B0500000000000000" pitchFamily="34" charset="-122"/>
+              <a:ea typeface="思源黑体" panose="020B0500000000000000" pitchFamily="34" charset="-122"/>
+            </a:endParaRPr>
+          </a:p>
+        </p:txBody>
+      </p:sp>
+      <p:sp>
+        <p:nvSpPr>
+          <p:cNvPr id="62" name="Rectangle: Rounded Corners 61">
+            <a:extLst>
+              <a:ext uri="{FF2B5EF4-FFF2-40B4-BE49-F238E27FC236}">
+                <a16:creationId xmlns:a16="http://schemas.microsoft.com/office/drawing/2014/main" id="{20B3199C-B77A-441E-50D0-EE56BD507226}"/>
+              </a:ext>
+            </a:extLst>
+          </p:cNvPr>
+          <p:cNvSpPr/>
+          <p:nvPr/>
+        </p:nvSpPr>
+        <p:spPr>
+          <a:xfrm>
+            <a:off x="13421512" y="3992058"/>
+            <a:ext cx="1124725" cy="548640"/>
+          </a:xfrm>
+          <a:prstGeom prst="roundRect">
+            <a:avLst>
+              <a:gd name="adj" fmla="val 0"/>
+            </a:avLst>
+          </a:prstGeom>
+          <a:ln w="38100">
+            <a:solidFill>
+              <a:schemeClr val="tx1"/>
+            </a:solidFill>
+          </a:ln>
+        </p:spPr>
+        <p:style>
+          <a:lnRef idx="2">
+            <a:schemeClr val="dk1"/>
+          </a:lnRef>
+          <a:fillRef idx="1">
+            <a:schemeClr val="lt1"/>
+          </a:fillRef>
+          <a:effectRef idx="0">
+            <a:schemeClr val="dk1"/>
+          </a:effectRef>
+          <a:fontRef idx="minor">
+            <a:schemeClr val="dk1"/>
+          </a:fontRef>
+        </p:style>
+        <p:txBody>
+          <a:bodyPr rtlCol="0" anchor="ctr"/>
+          <a:lstStyle/>
+          <a:p>
+            <a:pPr algn="ctr"/>
+            <a:r>
+              <a:rPr lang="en-US" altLang="zh-CN" dirty="0">
+                <a:latin typeface="思源黑体" panose="020B0500000000000000" pitchFamily="34" charset="-122"/>
+                <a:ea typeface="思源黑体" panose="020B0500000000000000" pitchFamily="34" charset="-122"/>
+              </a:rPr>
+              <a:t>User</a:t>
+            </a:r>
+            <a:endParaRPr lang="zh-CN" altLang="en-US" dirty="0">
+              <a:latin typeface="思源黑体" panose="020B0500000000000000" pitchFamily="34" charset="-122"/>
+              <a:ea typeface="思源黑体" panose="020B0500000000000000" pitchFamily="34" charset="-122"/>
+            </a:endParaRPr>
+          </a:p>
+        </p:txBody>
+      </p:sp>
+      <p:sp>
+        <p:nvSpPr>
+          <p:cNvPr id="63" name="Rectangle: Rounded Corners 62">
+            <a:extLst>
+              <a:ext uri="{FF2B5EF4-FFF2-40B4-BE49-F238E27FC236}">
+                <a16:creationId xmlns:a16="http://schemas.microsoft.com/office/drawing/2014/main" id="{33133EED-6D2F-C0F4-4C60-2DF6B9E7E386}"/>
+              </a:ext>
+            </a:extLst>
+          </p:cNvPr>
+          <p:cNvSpPr/>
+          <p:nvPr/>
+        </p:nvSpPr>
+        <p:spPr>
+          <a:xfrm>
+            <a:off x="12087624" y="3994552"/>
+            <a:ext cx="1124725" cy="548640"/>
+          </a:xfrm>
+          <a:prstGeom prst="roundRect">
+            <a:avLst>
+              <a:gd name="adj" fmla="val 0"/>
+            </a:avLst>
+          </a:prstGeom>
+          <a:ln w="38100">
+            <a:solidFill>
+              <a:schemeClr val="tx1"/>
+            </a:solidFill>
+          </a:ln>
+        </p:spPr>
+        <p:style>
+          <a:lnRef idx="2">
+            <a:schemeClr val="dk1"/>
+          </a:lnRef>
+          <a:fillRef idx="1">
+            <a:schemeClr val="lt1"/>
+          </a:fillRef>
+          <a:effectRef idx="0">
+            <a:schemeClr val="dk1"/>
+          </a:effectRef>
+          <a:fontRef idx="minor">
+            <a:schemeClr val="dk1"/>
+          </a:fontRef>
+        </p:style>
+        <p:txBody>
+          <a:bodyPr rtlCol="0" anchor="ctr"/>
+          <a:lstStyle/>
+          <a:p>
+            <a:pPr algn="ctr"/>
+            <a:r>
+              <a:rPr lang="en-US" altLang="zh-CN" dirty="0">
+                <a:latin typeface="思源黑体" panose="020B0500000000000000" pitchFamily="34" charset="-122"/>
+                <a:ea typeface="思源黑体" panose="020B0500000000000000" pitchFamily="34" charset="-122"/>
+              </a:rPr>
+              <a:t>Token</a:t>
+            </a:r>
+            <a:endParaRPr lang="zh-CN" altLang="en-US" dirty="0">
+              <a:latin typeface="思源黑体" panose="020B0500000000000000" pitchFamily="34" charset="-122"/>
+              <a:ea typeface="思源黑体" panose="020B0500000000000000" pitchFamily="34" charset="-122"/>
+            </a:endParaRPr>
+          </a:p>
+        </p:txBody>
+      </p:sp>
+      <p:sp>
+        <p:nvSpPr>
+          <p:cNvPr id="1024" name="Rectangle 1023">
+            <a:extLst>
+              <a:ext uri="{FF2B5EF4-FFF2-40B4-BE49-F238E27FC236}">
+                <a16:creationId xmlns:a16="http://schemas.microsoft.com/office/drawing/2014/main" id="{406600A8-EE66-E469-B941-D115853678BA}"/>
+              </a:ext>
+            </a:extLst>
+          </p:cNvPr>
+          <p:cNvSpPr/>
+          <p:nvPr/>
+        </p:nvSpPr>
+        <p:spPr>
+          <a:xfrm>
+            <a:off x="11153954" y="3027681"/>
+            <a:ext cx="4299406" cy="1733530"/>
+          </a:xfrm>
+          <a:prstGeom prst="rect">
+            <a:avLst/>
+          </a:prstGeom>
+          <a:noFill/>
+          <a:ln w="38100">
+            <a:solidFill>
+              <a:schemeClr val="tx1"/>
+            </a:solidFill>
+            <a:prstDash val="sysDash"/>
+          </a:ln>
+        </p:spPr>
+        <p:style>
+          <a:lnRef idx="2">
+            <a:schemeClr val="accent1">
+              <a:shade val="50000"/>
+            </a:schemeClr>
+          </a:lnRef>
+          <a:fillRef idx="1">
+            <a:schemeClr val="accent1"/>
+          </a:fillRef>
+          <a:effectRef idx="0">
+            <a:schemeClr val="accent1"/>
+          </a:effectRef>
+          <a:fontRef idx="minor">
+            <a:schemeClr val="lt1"/>
+          </a:fontRef>
+        </p:style>
+        <p:txBody>
+          <a:bodyPr rtlCol="0" anchor="ctr"/>
+          <a:lstStyle/>
+          <a:p>
+            <a:pPr algn="ctr"/>
+            <a:endParaRPr lang="zh-CN" altLang="en-US"/>
+          </a:p>
+        </p:txBody>
+      </p:sp>
+      <p:sp>
+        <p:nvSpPr>
+          <p:cNvPr id="3" name="Rectangle: Rounded Corners 2">
+            <a:extLst>
+              <a:ext uri="{FF2B5EF4-FFF2-40B4-BE49-F238E27FC236}">
+                <a16:creationId xmlns:a16="http://schemas.microsoft.com/office/drawing/2014/main" id="{EAE2779A-0792-6960-1869-8E885739B3F5}"/>
+              </a:ext>
+            </a:extLst>
+          </p:cNvPr>
+          <p:cNvSpPr/>
+          <p:nvPr/>
+        </p:nvSpPr>
+        <p:spPr>
+          <a:xfrm>
+            <a:off x="14099256" y="3264782"/>
             <a:ext cx="1124725" cy="548640"/>
           </a:xfrm>
           <a:prstGeom prst="roundRect">
@@ -5513,10 +5513,10 @@
       </p:cxnSp>
       <p:pic>
         <p:nvPicPr>
-          <p:cNvPr id="24" name="Picture 10" descr="gRPC">
+          <p:cNvPr id="8" name="Picture 2" descr="CNCF Branding | etcd">
             <a:extLst>
               <a:ext uri="{FF2B5EF4-FFF2-40B4-BE49-F238E27FC236}">
-                <a16:creationId xmlns:a16="http://schemas.microsoft.com/office/drawing/2014/main" id="{2EAAFAD0-0424-EC4E-1ABD-BCEF83D403ED}"/>
+                <a16:creationId xmlns:a16="http://schemas.microsoft.com/office/drawing/2014/main" id="{88AA6E00-B4B0-9301-CED8-D4F20732C1D6}"/>
               </a:ext>
             </a:extLst>
           </p:cNvPr>
@@ -5526,7 +5526,7 @@
           <p:nvPr/>
         </p:nvPicPr>
         <p:blipFill>
-          <a:blip r:embed="rId6">
+          <a:blip r:embed="rId14">
             <a:extLst>
               <a:ext uri="{28A0092B-C50C-407E-A947-70E740481C1C}">
                 <a14:useLocalDpi xmlns:a14="http://schemas.microsoft.com/office/drawing/2010/main" val="0"/>
@@ -5540,8 +5540,8 @@
         </p:blipFill>
         <p:spPr bwMode="auto">
           <a:xfrm>
-            <a:off x="14791401" y="6477493"/>
-            <a:ext cx="587107" cy="587107"/>
+            <a:off x="12052064" y="5438638"/>
+            <a:ext cx="2182383" cy="783015"/>
           </a:xfrm>
           <a:prstGeom prst="rect">
             <a:avLst/>
@@ -5558,6 +5558,97 @@
           </a:extLst>
         </p:spPr>
       </p:pic>
+      <p:pic>
+        <p:nvPicPr>
+          <p:cNvPr id="19" name="Picture 10" descr="gRPC">
+            <a:extLst>
+              <a:ext uri="{FF2B5EF4-FFF2-40B4-BE49-F238E27FC236}">
+                <a16:creationId xmlns:a16="http://schemas.microsoft.com/office/drawing/2014/main" id="{19FCBEBA-C655-4D0D-FE1B-DBAFCA8F31D7}"/>
+              </a:ext>
+            </a:extLst>
+          </p:cNvPr>
+          <p:cNvPicPr>
+            <a:picLocks noChangeAspect="1" noChangeArrowheads="1"/>
+          </p:cNvPicPr>
+          <p:nvPr/>
+        </p:nvPicPr>
+        <p:blipFill>
+          <a:blip r:embed="rId6">
+            <a:extLst>
+              <a:ext uri="{28A0092B-C50C-407E-A947-70E740481C1C}">
+                <a14:useLocalDpi xmlns:a14="http://schemas.microsoft.com/office/drawing/2010/main" val="0"/>
+              </a:ext>
+            </a:extLst>
+          </a:blip>
+          <a:srcRect/>
+          <a:stretch>
+            <a:fillRect/>
+          </a:stretch>
+        </p:blipFill>
+        <p:spPr bwMode="auto">
+          <a:xfrm>
+            <a:off x="14755809" y="6161766"/>
+            <a:ext cx="920170" cy="920170"/>
+          </a:xfrm>
+          <a:prstGeom prst="rect">
+            <a:avLst/>
+          </a:prstGeom>
+          <a:noFill/>
+          <a:extLst>
+            <a:ext uri="{909E8E84-426E-40DD-AFC4-6F175D3DCCD1}">
+              <a14:hiddenFill xmlns:a14="http://schemas.microsoft.com/office/drawing/2010/main">
+                <a:solidFill>
+                  <a:srgbClr val="FFFFFF"/>
+                </a:solidFill>
+              </a14:hiddenFill>
+            </a:ext>
+          </a:extLst>
+        </p:spPr>
+      </p:pic>
+      <p:cxnSp>
+        <p:nvCxnSpPr>
+          <p:cNvPr id="21" name="Straight Arrow Connector 20">
+            <a:extLst>
+              <a:ext uri="{FF2B5EF4-FFF2-40B4-BE49-F238E27FC236}">
+                <a16:creationId xmlns:a16="http://schemas.microsoft.com/office/drawing/2014/main" id="{DE75A23C-25AE-9B69-D050-E2623D4B9665}"/>
+              </a:ext>
+            </a:extLst>
+          </p:cNvPr>
+          <p:cNvCxnSpPr>
+            <a:cxnSpLocks/>
+          </p:cNvCxnSpPr>
+          <p:nvPr/>
+        </p:nvCxnSpPr>
+        <p:spPr>
+          <a:xfrm flipV="1">
+            <a:off x="13424311" y="4899506"/>
+            <a:ext cx="411957" cy="539132"/>
+          </a:xfrm>
+          <a:prstGeom prst="straightConnector1">
+            <a:avLst/>
+          </a:prstGeom>
+          <a:ln w="38100">
+            <a:solidFill>
+              <a:schemeClr val="tx1"/>
+            </a:solidFill>
+            <a:tailEnd type="triangle"/>
+          </a:ln>
+        </p:spPr>
+        <p:style>
+          <a:lnRef idx="1">
+            <a:schemeClr val="accent1"/>
+          </a:lnRef>
+          <a:fillRef idx="0">
+            <a:schemeClr val="accent1"/>
+          </a:fillRef>
+          <a:effectRef idx="0">
+            <a:schemeClr val="accent1"/>
+          </a:effectRef>
+          <a:fontRef idx="minor">
+            <a:schemeClr val="tx1"/>
+          </a:fontRef>
+        </p:style>
+      </p:cxnSp>
     </p:spTree>
     <p:extLst>
       <p:ext uri="{BB962C8B-B14F-4D97-AF65-F5344CB8AC3E}">
